--- a/lecture03.pptx
+++ b/lecture03.pptx
@@ -48,10 +48,6 @@
     <p:sldId id="329" r:id="rId42"/>
     <p:sldId id="361" r:id="rId43"/>
     <p:sldId id="362" r:id="rId44"/>
-    <p:sldId id="283" r:id="rId45"/>
-    <p:sldId id="284" r:id="rId46"/>
-    <p:sldId id="285" r:id="rId47"/>
-    <p:sldId id="287" r:id="rId48"/>
   </p:sldIdLst>
   <p:sldSz cx="12192000" cy="6858000"/>
   <p:notesSz cx="6858000" cy="9144000"/>
@@ -305,7 +301,7 @@
           <a:p>
             <a:fld id="{8F380C38-FFA1-47E2-AA7D-F60B5DBA406D}" type="datetimeFigureOut">
               <a:rPr lang="zh-TW" altLang="en-US" smtClean="0"/>
-              <a:t>2022/3/23</a:t>
+              <a:t>2022/3/31</a:t>
             </a:fld>
             <a:endParaRPr lang="zh-TW" altLang="en-US"/>
           </a:p>
@@ -503,7 +499,7 @@
           <a:p>
             <a:fld id="{8F380C38-FFA1-47E2-AA7D-F60B5DBA406D}" type="datetimeFigureOut">
               <a:rPr lang="zh-TW" altLang="en-US" smtClean="0"/>
-              <a:t>2022/3/23</a:t>
+              <a:t>2022/3/31</a:t>
             </a:fld>
             <a:endParaRPr lang="zh-TW" altLang="en-US"/>
           </a:p>
@@ -711,7 +707,7 @@
           <a:p>
             <a:fld id="{8F380C38-FFA1-47E2-AA7D-F60B5DBA406D}" type="datetimeFigureOut">
               <a:rPr lang="zh-TW" altLang="en-US" smtClean="0"/>
-              <a:t>2022/3/23</a:t>
+              <a:t>2022/3/31</a:t>
             </a:fld>
             <a:endParaRPr lang="zh-TW" altLang="en-US"/>
           </a:p>
@@ -909,7 +905,7 @@
           <a:p>
             <a:fld id="{8F380C38-FFA1-47E2-AA7D-F60B5DBA406D}" type="datetimeFigureOut">
               <a:rPr lang="zh-TW" altLang="en-US" smtClean="0"/>
-              <a:t>2022/3/23</a:t>
+              <a:t>2022/3/31</a:t>
             </a:fld>
             <a:endParaRPr lang="zh-TW" altLang="en-US"/>
           </a:p>
@@ -1184,7 +1180,7 @@
           <a:p>
             <a:fld id="{8F380C38-FFA1-47E2-AA7D-F60B5DBA406D}" type="datetimeFigureOut">
               <a:rPr lang="zh-TW" altLang="en-US" smtClean="0"/>
-              <a:t>2022/3/23</a:t>
+              <a:t>2022/3/31</a:t>
             </a:fld>
             <a:endParaRPr lang="zh-TW" altLang="en-US"/>
           </a:p>
@@ -1449,7 +1445,7 @@
           <a:p>
             <a:fld id="{8F380C38-FFA1-47E2-AA7D-F60B5DBA406D}" type="datetimeFigureOut">
               <a:rPr lang="zh-TW" altLang="en-US" smtClean="0"/>
-              <a:t>2022/3/23</a:t>
+              <a:t>2022/3/31</a:t>
             </a:fld>
             <a:endParaRPr lang="zh-TW" altLang="en-US"/>
           </a:p>
@@ -1861,7 +1857,7 @@
           <a:p>
             <a:fld id="{8F380C38-FFA1-47E2-AA7D-F60B5DBA406D}" type="datetimeFigureOut">
               <a:rPr lang="zh-TW" altLang="en-US" smtClean="0"/>
-              <a:t>2022/3/23</a:t>
+              <a:t>2022/3/31</a:t>
             </a:fld>
             <a:endParaRPr lang="zh-TW" altLang="en-US"/>
           </a:p>
@@ -2002,7 +1998,7 @@
           <a:p>
             <a:fld id="{8F380C38-FFA1-47E2-AA7D-F60B5DBA406D}" type="datetimeFigureOut">
               <a:rPr lang="zh-TW" altLang="en-US" smtClean="0"/>
-              <a:t>2022/3/23</a:t>
+              <a:t>2022/3/31</a:t>
             </a:fld>
             <a:endParaRPr lang="zh-TW" altLang="en-US"/>
           </a:p>
@@ -2115,7 +2111,7 @@
           <a:p>
             <a:fld id="{8F380C38-FFA1-47E2-AA7D-F60B5DBA406D}" type="datetimeFigureOut">
               <a:rPr lang="zh-TW" altLang="en-US" smtClean="0"/>
-              <a:t>2022/3/23</a:t>
+              <a:t>2022/3/31</a:t>
             </a:fld>
             <a:endParaRPr lang="zh-TW" altLang="en-US"/>
           </a:p>
@@ -2426,7 +2422,7 @@
           <a:p>
             <a:fld id="{8F380C38-FFA1-47E2-AA7D-F60B5DBA406D}" type="datetimeFigureOut">
               <a:rPr lang="zh-TW" altLang="en-US" smtClean="0"/>
-              <a:t>2022/3/23</a:t>
+              <a:t>2022/3/31</a:t>
             </a:fld>
             <a:endParaRPr lang="zh-TW" altLang="en-US"/>
           </a:p>
@@ -2714,7 +2710,7 @@
           <a:p>
             <a:fld id="{8F380C38-FFA1-47E2-AA7D-F60B5DBA406D}" type="datetimeFigureOut">
               <a:rPr lang="zh-TW" altLang="en-US" smtClean="0"/>
-              <a:t>2022/3/23</a:t>
+              <a:t>2022/3/31</a:t>
             </a:fld>
             <a:endParaRPr lang="zh-TW" altLang="en-US"/>
           </a:p>
@@ -2955,7 +2951,7 @@
           <a:p>
             <a:fld id="{8F380C38-FFA1-47E2-AA7D-F60B5DBA406D}" type="datetimeFigureOut">
               <a:rPr lang="zh-TW" altLang="en-US" smtClean="0"/>
-              <a:t>2022/3/23</a:t>
+              <a:t>2022/3/31</a:t>
             </a:fld>
             <a:endParaRPr lang="zh-TW" altLang="en-US"/>
           </a:p>
@@ -4305,8 +4301,8 @@
           </a:p>
         </p:txBody>
       </p:sp>
-      <mc:AlternateContent xmlns:mc="http://schemas.openxmlformats.org/markup-compatibility/2006">
-        <mc:Choice xmlns:a14="http://schemas.microsoft.com/office/drawing/2010/main" Requires="a14">
+      <mc:AlternateContent xmlns:mc="http://schemas.openxmlformats.org/markup-compatibility/2006" xmlns:a14="http://schemas.microsoft.com/office/drawing/2010/main">
+        <mc:Choice Requires="a14">
           <p:sp>
             <p:nvSpPr>
               <p:cNvPr id="3" name="內容版面配置區 2">
@@ -5305,7 +5301,7 @@
             </p:txBody>
           </p:sp>
         </mc:Choice>
-        <mc:Fallback>
+        <mc:Fallback xmlns="">
           <p:sp>
             <p:nvSpPr>
               <p:cNvPr id="3" name="內容版面配置區 2">
@@ -9767,23 +9763,38 @@
               <a:buAutoNum type="arabicPeriod"/>
             </a:pPr>
             <a:r>
-              <a:rPr lang="zh-TW" altLang="en-US" dirty="0">
+              <a:rPr lang="zh-TW" altLang="zh-TW" sz="2400" dirty="0">
                 <a:effectLst/>
-                <a:latin typeface="微軟正黑體" panose="020B0604030504040204" pitchFamily="34" charset="-120"/>
-                <a:ea typeface="微軟正黑體" panose="020B0604030504040204" pitchFamily="34" charset="-120"/>
+                <a:latin typeface="Calibri" panose="020F0502020204030204" pitchFamily="34" charset="0"/>
+                <a:ea typeface="新細明體" panose="02020500000000000000" pitchFamily="18" charset="-120"/>
                 <a:cs typeface="Times New Roman" panose="02020603050405020304" pitchFamily="18" charset="0"/>
               </a:rPr>
-              <a:t>語言模型起源於語音識別</a:t>
-            </a:r>
-            <a:r>
-              <a:rPr lang="en-US" altLang="zh-TW" dirty="0">
+              <a:t>詞（</a:t>
+            </a:r>
+            <a:r>
+              <a:rPr lang="en-US" altLang="zh-TW" sz="2400" dirty="0">
                 <a:effectLst/>
-                <a:latin typeface="微軟正黑體" panose="020B0604030504040204" pitchFamily="34" charset="-120"/>
-                <a:ea typeface="微軟正黑體" panose="020B0604030504040204" pitchFamily="34" charset="-120"/>
+                <a:latin typeface="Calibri" panose="020F0502020204030204" pitchFamily="34" charset="0"/>
+                <a:ea typeface="新細明體" panose="02020500000000000000" pitchFamily="18" charset="-120"/>
                 <a:cs typeface="Times New Roman" panose="02020603050405020304" pitchFamily="18" charset="0"/>
               </a:rPr>
-              <a:t>(speech recognition)</a:t>
-            </a:r>
+              <a:t>Word</a:t>
+            </a:r>
+            <a:r>
+              <a:rPr lang="zh-TW" altLang="zh-TW" sz="2400" dirty="0">
+                <a:effectLst/>
+                <a:latin typeface="Calibri" panose="020F0502020204030204" pitchFamily="34" charset="0"/>
+                <a:ea typeface="新細明體" panose="02020500000000000000" pitchFamily="18" charset="-120"/>
+                <a:cs typeface="Times New Roman" panose="02020603050405020304" pitchFamily="18" charset="0"/>
+              </a:rPr>
+              <a:t>）是最小的能獨立使用的音義結合體</a:t>
+            </a:r>
+            <a:endParaRPr lang="en-US" altLang="zh-TW" sz="2400" dirty="0">
+              <a:effectLst/>
+              <a:latin typeface="Calibri" panose="020F0502020204030204" pitchFamily="34" charset="0"/>
+              <a:ea typeface="新細明體" panose="02020500000000000000" pitchFamily="18" charset="-120"/>
+              <a:cs typeface="Times New Roman" panose="02020603050405020304" pitchFamily="18" charset="0"/>
+            </a:endParaRPr>
           </a:p>
           <a:p>
             <a:pPr marL="514350" indent="-514350">
@@ -9791,18 +9802,18 @@
               <a:buAutoNum type="arabicPeriod"/>
             </a:pPr>
             <a:r>
-              <a:rPr lang="zh-TW" altLang="en-US" dirty="0">
+              <a:rPr lang="zh-TW" altLang="zh-TW" sz="2400" dirty="0">
                 <a:effectLst/>
-                <a:latin typeface="微軟正黑體" panose="020B0604030504040204" pitchFamily="34" charset="-120"/>
-                <a:ea typeface="微軟正黑體" panose="020B0604030504040204" pitchFamily="34" charset="-120"/>
+                <a:latin typeface="Calibri" panose="020F0502020204030204" pitchFamily="34" charset="0"/>
+                <a:ea typeface="新細明體" panose="02020500000000000000" pitchFamily="18" charset="-120"/>
                 <a:cs typeface="Times New Roman" panose="02020603050405020304" pitchFamily="18" charset="0"/>
               </a:rPr>
-              <a:t>輸入一段音訊資料，語音識別系統通常會生成多個句子作為候選</a:t>
-            </a:r>
-            <a:endParaRPr lang="en-US" altLang="zh-TW" dirty="0">
+              <a:t>能夠獨立運用並能夠表達語義或語用內容的最基本單元</a:t>
+            </a:r>
+            <a:endParaRPr lang="en-US" altLang="zh-TW" sz="2400" dirty="0">
               <a:effectLst/>
-              <a:latin typeface="微軟正黑體" panose="020B0604030504040204" pitchFamily="34" charset="-120"/>
-              <a:ea typeface="微軟正黑體" panose="020B0604030504040204" pitchFamily="34" charset="-120"/>
+              <a:latin typeface="Calibri" panose="020F0502020204030204" pitchFamily="34" charset="0"/>
+              <a:ea typeface="新細明體" panose="02020500000000000000" pitchFamily="18" charset="-120"/>
               <a:cs typeface="Times New Roman" panose="02020603050405020304" pitchFamily="18" charset="0"/>
             </a:endParaRPr>
           </a:p>
@@ -9812,18 +9823,36 @@
               <a:buAutoNum type="arabicPeriod"/>
             </a:pPr>
             <a:r>
-              <a:rPr lang="zh-TW" altLang="en-US" dirty="0">
+              <a:rPr lang="zh-TW" altLang="zh-TW" sz="2400" dirty="0">
                 <a:effectLst/>
-                <a:latin typeface="微軟正黑體" panose="020B0604030504040204" pitchFamily="34" charset="-120"/>
-                <a:ea typeface="微軟正黑體" panose="020B0604030504040204" pitchFamily="34" charset="-120"/>
+                <a:latin typeface="Calibri" panose="020F0502020204030204" pitchFamily="34" charset="0"/>
+                <a:ea typeface="新細明體" panose="02020500000000000000" pitchFamily="18" charset="-120"/>
                 <a:cs typeface="Times New Roman" panose="02020603050405020304" pitchFamily="18" charset="0"/>
               </a:rPr>
-              <a:t>究竟哪個句子更合理？</a:t>
-            </a:r>
-            <a:endParaRPr lang="en-US" altLang="zh-TW" dirty="0">
+              <a:t>以英文為代表的印歐語系（</a:t>
+            </a:r>
+            <a:r>
+              <a:rPr lang="en-US" altLang="zh-TW" sz="2400" dirty="0">
+                <a:effectLst/>
+                <a:latin typeface="Calibri" panose="020F0502020204030204" pitchFamily="34" charset="0"/>
+                <a:ea typeface="新細明體" panose="02020500000000000000" pitchFamily="18" charset="-120"/>
+                <a:cs typeface="Times New Roman" panose="02020603050405020304" pitchFamily="18" charset="0"/>
+              </a:rPr>
+              <a:t>Indo-European languages</a:t>
+            </a:r>
+            <a:r>
+              <a:rPr lang="zh-TW" altLang="zh-TW" sz="2400" dirty="0">
+                <a:effectLst/>
+                <a:latin typeface="Calibri" panose="020F0502020204030204" pitchFamily="34" charset="0"/>
+                <a:ea typeface="新細明體" panose="02020500000000000000" pitchFamily="18" charset="-120"/>
+                <a:cs typeface="Times New Roman" panose="02020603050405020304" pitchFamily="18" charset="0"/>
+              </a:rPr>
+              <a:t>）中，詞之間通常用分隔符號（空格等）區分</a:t>
+            </a:r>
+            <a:endParaRPr lang="en-US" altLang="zh-TW" sz="2400" dirty="0">
               <a:effectLst/>
-              <a:latin typeface="微軟正黑體" panose="020B0604030504040204" pitchFamily="34" charset="-120"/>
-              <a:ea typeface="微軟正黑體" panose="020B0604030504040204" pitchFamily="34" charset="-120"/>
+              <a:latin typeface="Calibri" panose="020F0502020204030204" pitchFamily="34" charset="0"/>
+              <a:ea typeface="新細明體" panose="02020500000000000000" pitchFamily="18" charset="-120"/>
               <a:cs typeface="Times New Roman" panose="02020603050405020304" pitchFamily="18" charset="0"/>
             </a:endParaRPr>
           </a:p>
@@ -9833,18 +9862,81 @@
               <a:buAutoNum type="arabicPeriod"/>
             </a:pPr>
             <a:r>
-              <a:rPr lang="zh-TW" altLang="en-US" dirty="0">
+              <a:rPr lang="zh-TW" altLang="zh-TW" sz="2400" dirty="0">
                 <a:effectLst/>
-                <a:latin typeface="微軟正黑體" panose="020B0604030504040204" pitchFamily="34" charset="-120"/>
-                <a:ea typeface="微軟正黑體" panose="020B0604030504040204" pitchFamily="34" charset="-120"/>
+                <a:latin typeface="Calibri" panose="020F0502020204030204" pitchFamily="34" charset="0"/>
+                <a:ea typeface="新細明體" panose="02020500000000000000" pitchFamily="18" charset="-120"/>
                 <a:cs typeface="Times New Roman" panose="02020603050405020304" pitchFamily="18" charset="0"/>
               </a:rPr>
-              <a:t>需要用到語言模型對候選句子進行排序</a:t>
-            </a:r>
-            <a:endParaRPr lang="en-US" altLang="zh-TW" dirty="0">
+              <a:t>以中文為代表的漢藏語系（</a:t>
+            </a:r>
+            <a:r>
+              <a:rPr lang="en-US" altLang="zh-TW" sz="2400" dirty="0">
+                <a:effectLst/>
+                <a:latin typeface="Calibri" panose="020F0502020204030204" pitchFamily="34" charset="0"/>
+                <a:ea typeface="新細明體" panose="02020500000000000000" pitchFamily="18" charset="-120"/>
+                <a:cs typeface="Times New Roman" panose="02020603050405020304" pitchFamily="18" charset="0"/>
+              </a:rPr>
+              <a:t>Sino-Tibetan languages</a:t>
+            </a:r>
+            <a:r>
+              <a:rPr lang="zh-TW" altLang="zh-TW" sz="2400" dirty="0">
+                <a:effectLst/>
+                <a:latin typeface="Calibri" panose="020F0502020204030204" pitchFamily="34" charset="0"/>
+                <a:ea typeface="新細明體" panose="02020500000000000000" pitchFamily="18" charset="-120"/>
+                <a:cs typeface="Times New Roman" panose="02020603050405020304" pitchFamily="18" charset="0"/>
+              </a:rPr>
+              <a:t>），以阿拉伯語為代表的閃</a:t>
+            </a:r>
+            <a:r>
+              <a:rPr lang="en-US" altLang="zh-TW" sz="2400" dirty="0">
+                <a:effectLst/>
+                <a:latin typeface="Calibri" panose="020F0502020204030204" pitchFamily="34" charset="0"/>
+                <a:ea typeface="新細明體" panose="02020500000000000000" pitchFamily="18" charset="-120"/>
+                <a:cs typeface="Times New Roman" panose="02020603050405020304" pitchFamily="18" charset="0"/>
+              </a:rPr>
+              <a:t>-</a:t>
+            </a:r>
+            <a:r>
+              <a:rPr lang="zh-TW" altLang="zh-TW" sz="2400" dirty="0">
+                <a:effectLst/>
+                <a:latin typeface="Calibri" panose="020F0502020204030204" pitchFamily="34" charset="0"/>
+                <a:ea typeface="新細明體" panose="02020500000000000000" pitchFamily="18" charset="-120"/>
+                <a:cs typeface="Times New Roman" panose="02020603050405020304" pitchFamily="18" charset="0"/>
+              </a:rPr>
+              <a:t>含語系（</a:t>
+            </a:r>
+            <a:r>
+              <a:rPr lang="en-US" altLang="zh-TW" sz="2400" dirty="0" err="1">
+                <a:effectLst/>
+                <a:latin typeface="Calibri" panose="020F0502020204030204" pitchFamily="34" charset="0"/>
+                <a:ea typeface="新細明體" panose="02020500000000000000" pitchFamily="18" charset="-120"/>
+                <a:cs typeface="Times New Roman" panose="02020603050405020304" pitchFamily="18" charset="0"/>
+              </a:rPr>
+              <a:t>Semito</a:t>
+            </a:r>
+            <a:r>
+              <a:rPr lang="en-US" altLang="zh-TW" sz="2400" dirty="0">
+                <a:effectLst/>
+                <a:latin typeface="Calibri" panose="020F0502020204030204" pitchFamily="34" charset="0"/>
+                <a:ea typeface="新細明體" panose="02020500000000000000" pitchFamily="18" charset="-120"/>
+                <a:cs typeface="Times New Roman" panose="02020603050405020304" pitchFamily="18" charset="0"/>
+              </a:rPr>
+              <a:t>-Hamitic languages</a:t>
+            </a:r>
+            <a:r>
+              <a:rPr lang="zh-TW" altLang="zh-TW" sz="2400" dirty="0">
+                <a:effectLst/>
+                <a:latin typeface="Calibri" panose="020F0502020204030204" pitchFamily="34" charset="0"/>
+                <a:ea typeface="新細明體" panose="02020500000000000000" pitchFamily="18" charset="-120"/>
+                <a:cs typeface="Times New Roman" panose="02020603050405020304" pitchFamily="18" charset="0"/>
+              </a:rPr>
+              <a:t>）中，不包含明顯的詞之間的分隔符號</a:t>
+            </a:r>
+            <a:endParaRPr lang="en-US" altLang="zh-TW" sz="2400" dirty="0">
               <a:effectLst/>
-              <a:latin typeface="微軟正黑體" panose="020B0604030504040204" pitchFamily="34" charset="-120"/>
-              <a:ea typeface="微軟正黑體" panose="020B0604030504040204" pitchFamily="34" charset="-120"/>
+              <a:latin typeface="Calibri" panose="020F0502020204030204" pitchFamily="34" charset="0"/>
+              <a:ea typeface="新細明體" panose="02020500000000000000" pitchFamily="18" charset="-120"/>
               <a:cs typeface="Times New Roman" panose="02020603050405020304" pitchFamily="18" charset="0"/>
             </a:endParaRPr>
           </a:p>
@@ -9854,33 +9946,33 @@
               <a:buAutoNum type="arabicPeriod"/>
             </a:pPr>
             <a:r>
-              <a:rPr lang="zh-TW" altLang="en-US" dirty="0">
+              <a:rPr lang="zh-TW" altLang="zh-TW" sz="2400" dirty="0">
                 <a:effectLst/>
-                <a:latin typeface="微軟正黑體" panose="020B0604030504040204" pitchFamily="34" charset="-120"/>
-                <a:ea typeface="微軟正黑體" panose="020B0604030504040204" pitchFamily="34" charset="-120"/>
+                <a:latin typeface="Calibri" panose="020F0502020204030204" pitchFamily="34" charset="0"/>
+                <a:ea typeface="新細明體" panose="02020500000000000000" pitchFamily="18" charset="-120"/>
                 <a:cs typeface="Times New Roman" panose="02020603050405020304" pitchFamily="18" charset="0"/>
               </a:rPr>
-              <a:t>如今語言模型的應用範圍早已擴展到機器翻譯、信息檢索、問答、文摘等眾多</a:t>
-            </a:r>
-            <a:r>
-              <a:rPr lang="en-US" altLang="zh-TW" dirty="0">
+              <a:t>進行後續的自然語言處理，需要首先對不含分隔符號的語言進行分詞（</a:t>
+            </a:r>
+            <a:r>
+              <a:rPr lang="en-US" altLang="zh-TW" sz="2400" dirty="0">
                 <a:effectLst/>
-                <a:latin typeface="微軟正黑體" panose="020B0604030504040204" pitchFamily="34" charset="-120"/>
-                <a:ea typeface="微軟正黑體" panose="020B0604030504040204" pitchFamily="34" charset="-120"/>
+                <a:latin typeface="Calibri" panose="020F0502020204030204" pitchFamily="34" charset="0"/>
+                <a:ea typeface="新細明體" panose="02020500000000000000" pitchFamily="18" charset="-120"/>
                 <a:cs typeface="Times New Roman" panose="02020603050405020304" pitchFamily="18" charset="0"/>
               </a:rPr>
-              <a:t>NLP</a:t>
-            </a:r>
-            <a:r>
-              <a:rPr lang="zh-TW" altLang="en-US" dirty="0">
+              <a:t>Word Segmentation</a:t>
+            </a:r>
+            <a:r>
+              <a:rPr lang="zh-TW" altLang="zh-TW" sz="2400" dirty="0">
                 <a:effectLst/>
-                <a:latin typeface="微軟正黑體" panose="020B0604030504040204" pitchFamily="34" charset="-120"/>
-                <a:ea typeface="微軟正黑體" panose="020B0604030504040204" pitchFamily="34" charset="-120"/>
+                <a:latin typeface="Calibri" panose="020F0502020204030204" pitchFamily="34" charset="0"/>
+                <a:ea typeface="新細明體" panose="02020500000000000000" pitchFamily="18" charset="-120"/>
                 <a:cs typeface="Times New Roman" panose="02020603050405020304" pitchFamily="18" charset="0"/>
               </a:rPr>
-              <a:t>領域</a:t>
-            </a:r>
-            <a:endParaRPr lang="en-US" altLang="zh-TW" dirty="0">
+              <a:t>）</a:t>
+            </a:r>
+            <a:endParaRPr lang="en-US" altLang="zh-TW" sz="3600" dirty="0">
               <a:latin typeface="微軟正黑體" panose="020B0604030504040204" pitchFamily="34" charset="-120"/>
               <a:ea typeface="微軟正黑體" panose="020B0604030504040204" pitchFamily="34" charset="-120"/>
               <a:cs typeface="Times New Roman" panose="02020603050405020304" pitchFamily="18" charset="0"/>
@@ -10358,1476 +10450,6 @@
     <p:extLst>
       <p:ext uri="{BB962C8B-B14F-4D97-AF65-F5344CB8AC3E}">
         <p14:creationId xmlns:p14="http://schemas.microsoft.com/office/powerpoint/2010/main" val="1934985630"/>
-      </p:ext>
-    </p:extLst>
-  </p:cSld>
-  <p:clrMapOvr>
-    <a:masterClrMapping/>
-  </p:clrMapOvr>
-</p:sld>
-</file>
-
-<file path=ppt/slides/slide44.xml><?xml version="1.0" encoding="utf-8"?>
-<p:sld xmlns:a="http://schemas.openxmlformats.org/drawingml/2006/main" xmlns:r="http://schemas.openxmlformats.org/officeDocument/2006/relationships" xmlns:p="http://schemas.openxmlformats.org/presentationml/2006/main">
-  <p:cSld>
-    <p:spTree>
-      <p:nvGrpSpPr>
-        <p:cNvPr id="1" name=""/>
-        <p:cNvGrpSpPr/>
-        <p:nvPr/>
-      </p:nvGrpSpPr>
-      <p:grpSpPr>
-        <a:xfrm>
-          <a:off x="0" y="0"/>
-          <a:ext cx="0" cy="0"/>
-          <a:chOff x="0" y="0"/>
-          <a:chExt cx="0" cy="0"/>
-        </a:xfrm>
-      </p:grpSpPr>
-      <p:sp>
-        <p:nvSpPr>
-          <p:cNvPr id="2" name="標題 1">
-            <a:extLst>
-              <a:ext uri="{FF2B5EF4-FFF2-40B4-BE49-F238E27FC236}">
-                <a16:creationId xmlns:a16="http://schemas.microsoft.com/office/drawing/2014/main" id="{619027ED-4718-4571-A3BC-DADBFFD055DE}"/>
-              </a:ext>
-            </a:extLst>
-          </p:cNvPr>
-          <p:cNvSpPr>
-            <a:spLocks noGrp="1"/>
-          </p:cNvSpPr>
-          <p:nvPr>
-            <p:ph type="ctrTitle"/>
-          </p:nvPr>
-        </p:nvSpPr>
-        <p:spPr>
-          <a:xfrm>
-            <a:off x="1524000" y="2712376"/>
-            <a:ext cx="9144000" cy="1270197"/>
-          </a:xfrm>
-        </p:spPr>
-        <p:txBody>
-          <a:bodyPr/>
-          <a:lstStyle/>
-          <a:p>
-            <a:r>
-              <a:rPr lang="zh-TW" altLang="en-US" dirty="0">
-                <a:latin typeface="微軟正黑體" panose="020B0604030504040204" pitchFamily="34" charset="-120"/>
-                <a:ea typeface="微軟正黑體" panose="020B0604030504040204" pitchFamily="34" charset="-120"/>
-              </a:rPr>
-              <a:t>語言模型性能評價</a:t>
-            </a:r>
-          </a:p>
-        </p:txBody>
-      </p:sp>
-    </p:spTree>
-    <p:extLst>
-      <p:ext uri="{BB962C8B-B14F-4D97-AF65-F5344CB8AC3E}">
-        <p14:creationId xmlns:p14="http://schemas.microsoft.com/office/powerpoint/2010/main" val="3047784879"/>
-      </p:ext>
-    </p:extLst>
-  </p:cSld>
-  <p:clrMapOvr>
-    <a:masterClrMapping/>
-  </p:clrMapOvr>
-</p:sld>
-</file>
-
-<file path=ppt/slides/slide45.xml><?xml version="1.0" encoding="utf-8"?>
-<p:sld xmlns:a="http://schemas.openxmlformats.org/drawingml/2006/main" xmlns:r="http://schemas.openxmlformats.org/officeDocument/2006/relationships" xmlns:p="http://schemas.openxmlformats.org/presentationml/2006/main">
-  <p:cSld>
-    <p:spTree>
-      <p:nvGrpSpPr>
-        <p:cNvPr id="1" name=""/>
-        <p:cNvGrpSpPr/>
-        <p:nvPr/>
-      </p:nvGrpSpPr>
-      <p:grpSpPr>
-        <a:xfrm>
-          <a:off x="0" y="0"/>
-          <a:ext cx="0" cy="0"/>
-          <a:chOff x="0" y="0"/>
-          <a:chExt cx="0" cy="0"/>
-        </a:xfrm>
-      </p:grpSpPr>
-      <p:sp>
-        <p:nvSpPr>
-          <p:cNvPr id="2" name="標題 1">
-            <a:extLst>
-              <a:ext uri="{FF2B5EF4-FFF2-40B4-BE49-F238E27FC236}">
-                <a16:creationId xmlns:a16="http://schemas.microsoft.com/office/drawing/2014/main" id="{6E2D17FC-8E91-4D68-9E33-2E731C896C47}"/>
-              </a:ext>
-            </a:extLst>
-          </p:cNvPr>
-          <p:cNvSpPr>
-            <a:spLocks noGrp="1"/>
-          </p:cNvSpPr>
-          <p:nvPr>
-            <p:ph type="title"/>
-          </p:nvPr>
-        </p:nvSpPr>
-        <p:spPr>
-          <a:xfrm>
-            <a:off x="838200" y="365125"/>
-            <a:ext cx="10515600" cy="682839"/>
-          </a:xfrm>
-        </p:spPr>
-        <p:txBody>
-          <a:bodyPr>
-            <a:normAutofit fontScale="90000"/>
-          </a:bodyPr>
-          <a:lstStyle/>
-          <a:p>
-            <a:r>
-              <a:rPr lang="zh-TW" altLang="en-US" b="1" dirty="0">
-                <a:latin typeface="微軟正黑體" panose="020B0604030504040204" pitchFamily="34" charset="-120"/>
-                <a:ea typeface="微軟正黑體" panose="020B0604030504040204" pitchFamily="34" charset="-120"/>
-              </a:rPr>
-              <a:t>語言模型性能評價</a:t>
-            </a:r>
-          </a:p>
-        </p:txBody>
-      </p:sp>
-      <p:sp>
-        <p:nvSpPr>
-          <p:cNvPr id="3" name="內容版面配置區 2">
-            <a:extLst>
-              <a:ext uri="{FF2B5EF4-FFF2-40B4-BE49-F238E27FC236}">
-                <a16:creationId xmlns:a16="http://schemas.microsoft.com/office/drawing/2014/main" id="{3ABFD44D-8A96-48EF-87FE-009D440D49A9}"/>
-              </a:ext>
-            </a:extLst>
-          </p:cNvPr>
-          <p:cNvSpPr>
-            <a:spLocks noGrp="1"/>
-          </p:cNvSpPr>
-          <p:nvPr>
-            <p:ph idx="1"/>
-          </p:nvPr>
-        </p:nvSpPr>
-        <p:spPr>
-          <a:xfrm>
-            <a:off x="838200" y="1202076"/>
-            <a:ext cx="10515600" cy="5363111"/>
-          </a:xfrm>
-        </p:spPr>
-        <p:txBody>
-          <a:bodyPr>
-            <a:noAutofit/>
-          </a:bodyPr>
-          <a:lstStyle/>
-          <a:p>
-            <a:pPr marL="514350" indent="-514350">
-              <a:buFont typeface="+mj-lt"/>
-              <a:buAutoNum type="arabicPeriod"/>
-            </a:pPr>
-            <a:r>
-              <a:rPr lang="zh-TW" altLang="zh-TW" dirty="0">
-                <a:effectLst/>
-                <a:latin typeface="微軟正黑體" panose="020B0604030504040204" pitchFamily="34" charset="-120"/>
-                <a:ea typeface="微軟正黑體" panose="020B0604030504040204" pitchFamily="34" charset="-120"/>
-                <a:cs typeface="Times New Roman" panose="02020603050405020304" pitchFamily="18" charset="0"/>
-              </a:rPr>
-              <a:t>應用於具體的外部任務（如機器翻譯）</a:t>
-            </a:r>
-            <a:r>
-              <a:rPr lang="zh-TW" altLang="en-US" dirty="0">
-                <a:effectLst/>
-                <a:latin typeface="微軟正黑體" panose="020B0604030504040204" pitchFamily="34" charset="-120"/>
-                <a:ea typeface="微軟正黑體" panose="020B0604030504040204" pitchFamily="34" charset="-120"/>
-                <a:cs typeface="Times New Roman" panose="02020603050405020304" pitchFamily="18" charset="0"/>
-              </a:rPr>
-              <a:t>，</a:t>
-            </a:r>
-            <a:r>
-              <a:rPr lang="zh-TW" altLang="zh-TW" dirty="0">
-                <a:effectLst/>
-                <a:latin typeface="微軟正黑體" panose="020B0604030504040204" pitchFamily="34" charset="-120"/>
-                <a:ea typeface="微軟正黑體" panose="020B0604030504040204" pitchFamily="34" charset="-120"/>
-                <a:cs typeface="Times New Roman" panose="02020603050405020304" pitchFamily="18" charset="0"/>
-              </a:rPr>
-              <a:t>根據該任務上指標的高低對語言模型進行評價</a:t>
-            </a:r>
-            <a:endParaRPr lang="en-US" altLang="zh-TW" dirty="0">
-              <a:effectLst/>
-              <a:latin typeface="微軟正黑體" panose="020B0604030504040204" pitchFamily="34" charset="-120"/>
-              <a:ea typeface="微軟正黑體" panose="020B0604030504040204" pitchFamily="34" charset="-120"/>
-              <a:cs typeface="Times New Roman" panose="02020603050405020304" pitchFamily="18" charset="0"/>
-            </a:endParaRPr>
-          </a:p>
-          <a:p>
-            <a:pPr marL="514350" indent="-514350">
-              <a:buFont typeface="+mj-lt"/>
-              <a:buAutoNum type="arabicPeriod"/>
-            </a:pPr>
-            <a:r>
-              <a:rPr lang="zh-TW" altLang="zh-TW" dirty="0">
-                <a:effectLst/>
-                <a:latin typeface="微軟正黑體" panose="020B0604030504040204" pitchFamily="34" charset="-120"/>
-                <a:ea typeface="微軟正黑體" panose="020B0604030504040204" pitchFamily="34" charset="-120"/>
-                <a:cs typeface="Times New Roman" panose="02020603050405020304" pitchFamily="18" charset="0"/>
-              </a:rPr>
-              <a:t>最接近實際應用需求的一種評價方法</a:t>
-            </a:r>
-            <a:endParaRPr lang="en-US" altLang="zh-TW" dirty="0">
-              <a:latin typeface="微軟正黑體" panose="020B0604030504040204" pitchFamily="34" charset="-120"/>
-              <a:ea typeface="微軟正黑體" panose="020B0604030504040204" pitchFamily="34" charset="-120"/>
-              <a:cs typeface="Times New Roman" panose="02020603050405020304" pitchFamily="18" charset="0"/>
-            </a:endParaRPr>
-          </a:p>
-          <a:p>
-            <a:pPr marL="514350" indent="-514350">
-              <a:buFont typeface="+mj-lt"/>
-              <a:buAutoNum type="arabicPeriod"/>
-            </a:pPr>
-            <a:r>
-              <a:rPr lang="zh-TW" altLang="zh-TW" dirty="0">
-                <a:effectLst/>
-                <a:latin typeface="微軟正黑體" panose="020B0604030504040204" pitchFamily="34" charset="-120"/>
-                <a:ea typeface="微軟正黑體" panose="020B0604030504040204" pitchFamily="34" charset="-120"/>
-                <a:cs typeface="Times New Roman" panose="02020603050405020304" pitchFamily="18" charset="0"/>
-              </a:rPr>
-              <a:t>計算代價較高，實現的難度也較大</a:t>
-            </a:r>
-            <a:endParaRPr lang="en-US" altLang="zh-TW" dirty="0">
-              <a:effectLst/>
-              <a:latin typeface="微軟正黑體" panose="020B0604030504040204" pitchFamily="34" charset="-120"/>
-              <a:ea typeface="微軟正黑體" panose="020B0604030504040204" pitchFamily="34" charset="-120"/>
-              <a:cs typeface="Times New Roman" panose="02020603050405020304" pitchFamily="18" charset="0"/>
-            </a:endParaRPr>
-          </a:p>
-          <a:p>
-            <a:pPr marL="514350" indent="-514350">
-              <a:buFont typeface="+mj-lt"/>
-              <a:buAutoNum type="arabicPeriod"/>
-            </a:pPr>
-            <a:r>
-              <a:rPr lang="zh-TW" altLang="zh-TW" dirty="0">
-                <a:effectLst/>
-                <a:latin typeface="微軟正黑體" panose="020B0604030504040204" pitchFamily="34" charset="-120"/>
-                <a:ea typeface="微軟正黑體" panose="020B0604030504040204" pitchFamily="34" charset="-120"/>
-                <a:cs typeface="Times New Roman" panose="02020603050405020304" pitchFamily="18" charset="0"/>
-              </a:rPr>
-              <a:t>以困惑度（</a:t>
-            </a:r>
-            <a:r>
-              <a:rPr lang="en-US" altLang="zh-TW" dirty="0">
-                <a:effectLst/>
-                <a:latin typeface="微軟正黑體" panose="020B0604030504040204" pitchFamily="34" charset="-120"/>
-                <a:ea typeface="微軟正黑體" panose="020B0604030504040204" pitchFamily="34" charset="-120"/>
-                <a:cs typeface="Times New Roman" panose="02020603050405020304" pitchFamily="18" charset="0"/>
-              </a:rPr>
-              <a:t>Perplexity</a:t>
-            </a:r>
-            <a:r>
-              <a:rPr lang="zh-TW" altLang="zh-TW" dirty="0">
-                <a:effectLst/>
-                <a:latin typeface="微軟正黑體" panose="020B0604030504040204" pitchFamily="34" charset="-120"/>
-                <a:ea typeface="微軟正黑體" panose="020B0604030504040204" pitchFamily="34" charset="-120"/>
-                <a:cs typeface="Times New Roman" panose="02020603050405020304" pitchFamily="18" charset="0"/>
-              </a:rPr>
-              <a:t>，</a:t>
-            </a:r>
-            <a:r>
-              <a:rPr lang="en-US" altLang="zh-TW" dirty="0">
-                <a:effectLst/>
-                <a:latin typeface="微軟正黑體" panose="020B0604030504040204" pitchFamily="34" charset="-120"/>
-                <a:ea typeface="微軟正黑體" panose="020B0604030504040204" pitchFamily="34" charset="-120"/>
-                <a:cs typeface="Times New Roman" panose="02020603050405020304" pitchFamily="18" charset="0"/>
-              </a:rPr>
-              <a:t>PPL</a:t>
-            </a:r>
-            <a:r>
-              <a:rPr lang="zh-TW" altLang="zh-TW" dirty="0">
-                <a:effectLst/>
-                <a:latin typeface="微軟正黑體" panose="020B0604030504040204" pitchFamily="34" charset="-120"/>
-                <a:ea typeface="微軟正黑體" panose="020B0604030504040204" pitchFamily="34" charset="-120"/>
-                <a:cs typeface="Times New Roman" panose="02020603050405020304" pitchFamily="18" charset="0"/>
-              </a:rPr>
-              <a:t>）為基礎的</a:t>
-            </a:r>
-            <a:r>
-              <a:rPr lang="en-US" altLang="zh-TW" dirty="0">
-                <a:effectLst/>
-                <a:latin typeface="微軟正黑體" panose="020B0604030504040204" pitchFamily="34" charset="-120"/>
-                <a:ea typeface="微軟正黑體" panose="020B0604030504040204" pitchFamily="34" charset="-120"/>
-                <a:cs typeface="Times New Roman" panose="02020603050405020304" pitchFamily="18" charset="0"/>
-              </a:rPr>
-              <a:t>“</a:t>
-            </a:r>
-            <a:r>
-              <a:rPr lang="zh-TW" altLang="zh-TW" dirty="0">
-                <a:effectLst/>
-                <a:latin typeface="微軟正黑體" panose="020B0604030504040204" pitchFamily="34" charset="-120"/>
-                <a:ea typeface="微軟正黑體" panose="020B0604030504040204" pitchFamily="34" charset="-120"/>
-                <a:cs typeface="Times New Roman" panose="02020603050405020304" pitchFamily="18" charset="0"/>
-              </a:rPr>
-              <a:t>內部評價</a:t>
-            </a:r>
-            <a:r>
-              <a:rPr lang="en-US" altLang="zh-TW" dirty="0">
-                <a:effectLst/>
-                <a:latin typeface="微軟正黑體" panose="020B0604030504040204" pitchFamily="34" charset="-120"/>
-                <a:ea typeface="微軟正黑體" panose="020B0604030504040204" pitchFamily="34" charset="-120"/>
-                <a:cs typeface="Times New Roman" panose="02020603050405020304" pitchFamily="18" charset="0"/>
-              </a:rPr>
-              <a:t>”</a:t>
-            </a:r>
-          </a:p>
-          <a:p>
-            <a:pPr marL="514350" indent="-514350">
-              <a:buFont typeface="+mj-lt"/>
-              <a:buAutoNum type="arabicPeriod"/>
-            </a:pPr>
-            <a:r>
-              <a:rPr lang="zh-TW" altLang="zh-TW" dirty="0">
-                <a:effectLst/>
-                <a:latin typeface="微軟正黑體" panose="020B0604030504040204" pitchFamily="34" charset="-120"/>
-                <a:ea typeface="微軟正黑體" panose="020B0604030504040204" pitchFamily="34" charset="-120"/>
-                <a:cs typeface="Times New Roman" panose="02020603050405020304" pitchFamily="18" charset="0"/>
-              </a:rPr>
-              <a:t>困惑度越小，表示單字序列的機率越大，也表示模型能夠更進一步地解釋測試集中的資料</a:t>
-            </a:r>
-            <a:endParaRPr lang="en-US" altLang="zh-TW" dirty="0">
-              <a:effectLst/>
-              <a:latin typeface="微軟正黑體" panose="020B0604030504040204" pitchFamily="34" charset="-120"/>
-              <a:ea typeface="微軟正黑體" panose="020B0604030504040204" pitchFamily="34" charset="-120"/>
-              <a:cs typeface="Times New Roman" panose="02020603050405020304" pitchFamily="18" charset="0"/>
-            </a:endParaRPr>
-          </a:p>
-          <a:p>
-            <a:pPr marL="514350" indent="-514350">
-              <a:buFont typeface="+mj-lt"/>
-              <a:buAutoNum type="arabicPeriod"/>
-            </a:pPr>
-            <a:r>
-              <a:rPr lang="zh-TW" altLang="zh-TW" dirty="0">
-                <a:effectLst/>
-                <a:latin typeface="微軟正黑體" panose="020B0604030504040204" pitchFamily="34" charset="-120"/>
-                <a:ea typeface="微軟正黑體" panose="020B0604030504040204" pitchFamily="34" charset="-120"/>
-                <a:cs typeface="Times New Roman" panose="02020603050405020304" pitchFamily="18" charset="0"/>
-              </a:rPr>
-              <a:t>困惑度越低的語言模型並不總是能在外部任務上取得更好的性能指標，但是兩者之間通常呈現出一定的正相關性</a:t>
-            </a:r>
-            <a:endParaRPr lang="en-US" altLang="zh-TW" dirty="0">
-              <a:latin typeface="微軟正黑體" panose="020B0604030504040204" pitchFamily="34" charset="-120"/>
-              <a:ea typeface="微軟正黑體" panose="020B0604030504040204" pitchFamily="34" charset="-120"/>
-              <a:cs typeface="Times New Roman" panose="02020603050405020304" pitchFamily="18" charset="0"/>
-            </a:endParaRPr>
-          </a:p>
-          <a:p>
-            <a:pPr marL="514350" indent="-514350">
-              <a:buFont typeface="+mj-lt"/>
-              <a:buAutoNum type="arabicPeriod"/>
-            </a:pPr>
-            <a:r>
-              <a:rPr lang="zh-TW" altLang="zh-TW" dirty="0">
-                <a:effectLst/>
-                <a:latin typeface="微軟正黑體" panose="020B0604030504040204" pitchFamily="34" charset="-120"/>
-                <a:ea typeface="微軟正黑體" panose="020B0604030504040204" pitchFamily="34" charset="-120"/>
-                <a:cs typeface="Times New Roman" panose="02020603050405020304" pitchFamily="18" charset="0"/>
-              </a:rPr>
-              <a:t>困惑度可以身為快速評價語言模型性能的指標，而在將其應用於下游任務時，仍然需要根據其在具體任務上的表現進行評價</a:t>
-            </a:r>
-            <a:endParaRPr lang="en-US" altLang="zh-TW" dirty="0">
-              <a:latin typeface="微軟正黑體" panose="020B0604030504040204" pitchFamily="34" charset="-120"/>
-              <a:ea typeface="微軟正黑體" panose="020B0604030504040204" pitchFamily="34" charset="-120"/>
-            </a:endParaRPr>
-          </a:p>
-        </p:txBody>
-      </p:sp>
-    </p:spTree>
-    <p:extLst>
-      <p:ext uri="{BB962C8B-B14F-4D97-AF65-F5344CB8AC3E}">
-        <p14:creationId xmlns:p14="http://schemas.microsoft.com/office/powerpoint/2010/main" val="2313690382"/>
-      </p:ext>
-    </p:extLst>
-  </p:cSld>
-  <p:clrMapOvr>
-    <a:masterClrMapping/>
-  </p:clrMapOvr>
-</p:sld>
-</file>
-
-<file path=ppt/slides/slide46.xml><?xml version="1.0" encoding="utf-8"?>
-<p:sld xmlns:a="http://schemas.openxmlformats.org/drawingml/2006/main" xmlns:r="http://schemas.openxmlformats.org/officeDocument/2006/relationships" xmlns:p="http://schemas.openxmlformats.org/presentationml/2006/main">
-  <p:cSld>
-    <p:spTree>
-      <p:nvGrpSpPr>
-        <p:cNvPr id="1" name=""/>
-        <p:cNvGrpSpPr/>
-        <p:nvPr/>
-      </p:nvGrpSpPr>
-      <p:grpSpPr>
-        <a:xfrm>
-          <a:off x="0" y="0"/>
-          <a:ext cx="0" cy="0"/>
-          <a:chOff x="0" y="0"/>
-          <a:chExt cx="0" cy="0"/>
-        </a:xfrm>
-      </p:grpSpPr>
-      <p:sp>
-        <p:nvSpPr>
-          <p:cNvPr id="2" name="標題 1">
-            <a:extLst>
-              <a:ext uri="{FF2B5EF4-FFF2-40B4-BE49-F238E27FC236}">
-                <a16:creationId xmlns:a16="http://schemas.microsoft.com/office/drawing/2014/main" id="{6E2D17FC-8E91-4D68-9E33-2E731C896C47}"/>
-              </a:ext>
-            </a:extLst>
-          </p:cNvPr>
-          <p:cNvSpPr>
-            <a:spLocks noGrp="1"/>
-          </p:cNvSpPr>
-          <p:nvPr>
-            <p:ph type="title"/>
-          </p:nvPr>
-        </p:nvSpPr>
-        <p:spPr>
-          <a:xfrm>
-            <a:off x="838200" y="365125"/>
-            <a:ext cx="10515600" cy="682839"/>
-          </a:xfrm>
-        </p:spPr>
-        <p:txBody>
-          <a:bodyPr>
-            <a:normAutofit fontScale="90000"/>
-          </a:bodyPr>
-          <a:lstStyle/>
-          <a:p>
-            <a:r>
-              <a:rPr lang="zh-TW" altLang="en-US" b="1" dirty="0">
-                <a:latin typeface="微軟正黑體" panose="020B0604030504040204" pitchFamily="34" charset="-120"/>
-                <a:ea typeface="微軟正黑體" panose="020B0604030504040204" pitchFamily="34" charset="-120"/>
-              </a:rPr>
-              <a:t>困或度性能評價</a:t>
-            </a:r>
-          </a:p>
-        </p:txBody>
-      </p:sp>
-      <mc:AlternateContent xmlns:mc="http://schemas.openxmlformats.org/markup-compatibility/2006" xmlns:a14="http://schemas.microsoft.com/office/drawing/2010/main">
-        <mc:Choice Requires="a14">
-          <p:sp>
-            <p:nvSpPr>
-              <p:cNvPr id="3" name="內容版面配置區 2">
-                <a:extLst>
-                  <a:ext uri="{FF2B5EF4-FFF2-40B4-BE49-F238E27FC236}">
-                    <a16:creationId xmlns:a16="http://schemas.microsoft.com/office/drawing/2014/main" id="{3ABFD44D-8A96-48EF-87FE-009D440D49A9}"/>
-                  </a:ext>
-                </a:extLst>
-              </p:cNvPr>
-              <p:cNvSpPr>
-                <a:spLocks noGrp="1"/>
-              </p:cNvSpPr>
-              <p:nvPr>
-                <p:ph idx="1"/>
-              </p:nvPr>
-            </p:nvSpPr>
-            <p:spPr>
-              <a:xfrm>
-                <a:off x="838200" y="1202076"/>
-                <a:ext cx="10515600" cy="5363111"/>
-              </a:xfrm>
-            </p:spPr>
-            <p:txBody>
-              <a:bodyPr>
-                <a:noAutofit/>
-              </a:bodyPr>
-              <a:lstStyle/>
-              <a:p>
-                <a:pPr marL="514350" indent="-514350">
-                  <a:buFont typeface="+mj-lt"/>
-                  <a:buAutoNum type="arabicPeriod"/>
-                </a:pPr>
-                <a:r>
-                  <a:rPr lang="zh-TW" altLang="zh-TW" dirty="0">
-                    <a:effectLst/>
-                    <a:latin typeface="微軟正黑體" panose="020B0604030504040204" pitchFamily="34" charset="-120"/>
-                    <a:ea typeface="微軟正黑體" panose="020B0604030504040204" pitchFamily="34" charset="-120"/>
-                    <a:cs typeface="Times New Roman" panose="02020603050405020304" pitchFamily="18" charset="0"/>
-                  </a:rPr>
-                  <a:t>先將資料劃分為不相交的兩個集合，分別稱為訓練集</a:t>
-                </a:r>
-                <a14:m>
-                  <m:oMath xmlns:m="http://schemas.openxmlformats.org/officeDocument/2006/math">
-                    <m:sSup>
-                      <m:sSupPr>
-                        <m:ctrlPr>
-                          <a:rPr lang="zh-TW" altLang="zh-TW" i="1">
-                            <a:effectLst/>
-                            <a:latin typeface="Cambria Math" panose="02040503050406030204" pitchFamily="18" charset="0"/>
-                            <a:ea typeface="Cambria Math" panose="02040503050406030204" pitchFamily="18" charset="0"/>
-                          </a:rPr>
-                        </m:ctrlPr>
-                      </m:sSupPr>
-                      <m:e>
-                        <m:r>
-                          <a:rPr lang="en-US" altLang="zh-TW" i="1">
-                            <a:effectLst/>
-                            <a:latin typeface="Cambria Math" panose="02040503050406030204" pitchFamily="18" charset="0"/>
-                            <a:ea typeface="新細明體" panose="02020500000000000000" pitchFamily="18" charset="-120"/>
-                            <a:cs typeface="Times New Roman" panose="02020603050405020304" pitchFamily="18" charset="0"/>
-                          </a:rPr>
-                          <m:t>𝔻</m:t>
-                        </m:r>
-                      </m:e>
-                      <m:sup>
-                        <m:r>
-                          <m:rPr>
-                            <m:sty m:val="p"/>
-                          </m:rPr>
-                          <a:rPr lang="en-US" altLang="zh-TW">
-                            <a:effectLst/>
-                            <a:latin typeface="Cambria Math" panose="02040503050406030204" pitchFamily="18" charset="0"/>
-                            <a:ea typeface="新細明體" panose="02020500000000000000" pitchFamily="18" charset="-120"/>
-                            <a:cs typeface="Times New Roman" panose="02020603050405020304" pitchFamily="18" charset="0"/>
-                          </a:rPr>
-                          <m:t>train</m:t>
-                        </m:r>
-                      </m:sup>
-                    </m:sSup>
-                  </m:oMath>
-                </a14:m>
-                <a:r>
-                  <a:rPr lang="zh-TW" altLang="zh-TW" dirty="0">
-                    <a:effectLst/>
-                    <a:latin typeface="微軟正黑體" panose="020B0604030504040204" pitchFamily="34" charset="-120"/>
-                    <a:ea typeface="微軟正黑體" panose="020B0604030504040204" pitchFamily="34" charset="-120"/>
-                    <a:cs typeface="Times New Roman" panose="02020603050405020304" pitchFamily="18" charset="0"/>
-                  </a:rPr>
-                  <a:t>和測試集</a:t>
-                </a:r>
-                <a14:m>
-                  <m:oMath xmlns:m="http://schemas.openxmlformats.org/officeDocument/2006/math">
-                    <m:sSup>
-                      <m:sSupPr>
-                        <m:ctrlPr>
-                          <a:rPr lang="zh-TW" altLang="zh-TW" i="1">
-                            <a:effectLst/>
-                            <a:latin typeface="Cambria Math" panose="02040503050406030204" pitchFamily="18" charset="0"/>
-                            <a:ea typeface="Cambria Math" panose="02040503050406030204" pitchFamily="18" charset="0"/>
-                          </a:rPr>
-                        </m:ctrlPr>
-                      </m:sSupPr>
-                      <m:e>
-                        <m:r>
-                          <a:rPr lang="en-US" altLang="zh-TW" i="1">
-                            <a:effectLst/>
-                            <a:latin typeface="Cambria Math" panose="02040503050406030204" pitchFamily="18" charset="0"/>
-                            <a:ea typeface="新細明體" panose="02020500000000000000" pitchFamily="18" charset="-120"/>
-                            <a:cs typeface="Times New Roman" panose="02020603050405020304" pitchFamily="18" charset="0"/>
-                          </a:rPr>
-                          <m:t>𝔻</m:t>
-                        </m:r>
-                      </m:e>
-                      <m:sup>
-                        <m:r>
-                          <m:rPr>
-                            <m:sty m:val="p"/>
-                          </m:rPr>
-                          <a:rPr lang="en-US" altLang="zh-TW">
-                            <a:effectLst/>
-                            <a:latin typeface="Cambria Math" panose="02040503050406030204" pitchFamily="18" charset="0"/>
-                            <a:ea typeface="新細明體" panose="02020500000000000000" pitchFamily="18" charset="-120"/>
-                            <a:cs typeface="Times New Roman" panose="02020603050405020304" pitchFamily="18" charset="0"/>
-                          </a:rPr>
-                          <m:t>test</m:t>
-                        </m:r>
-                      </m:sup>
-                    </m:sSup>
-                  </m:oMath>
-                </a14:m>
-                <a:endParaRPr lang="en-US" altLang="zh-TW" dirty="0">
-                  <a:latin typeface="微軟正黑體" panose="020B0604030504040204" pitchFamily="34" charset="-120"/>
-                  <a:ea typeface="微軟正黑體" panose="020B0604030504040204" pitchFamily="34" charset="-120"/>
-                </a:endParaRPr>
-              </a:p>
-              <a:p>
-                <a:pPr marL="514350" indent="-514350">
-                  <a:buFont typeface="+mj-lt"/>
-                  <a:buAutoNum type="arabicPeriod"/>
-                </a:pPr>
-                <a14:m>
-                  <m:oMath xmlns:m="http://schemas.openxmlformats.org/officeDocument/2006/math">
-                    <m:sSup>
-                      <m:sSupPr>
-                        <m:ctrlPr>
-                          <a:rPr lang="zh-TW" altLang="zh-TW" i="1">
-                            <a:effectLst/>
-                            <a:latin typeface="Cambria Math" panose="02040503050406030204" pitchFamily="18" charset="0"/>
-                            <a:ea typeface="Cambria Math" panose="02040503050406030204" pitchFamily="18" charset="0"/>
-                          </a:rPr>
-                        </m:ctrlPr>
-                      </m:sSupPr>
-                      <m:e>
-                        <m:r>
-                          <a:rPr lang="en-US" altLang="zh-TW" i="1">
-                            <a:effectLst/>
-                            <a:latin typeface="Cambria Math" panose="02040503050406030204" pitchFamily="18" charset="0"/>
-                            <a:ea typeface="新細明體" panose="02020500000000000000" pitchFamily="18" charset="-120"/>
-                            <a:cs typeface="Times New Roman" panose="02020603050405020304" pitchFamily="18" charset="0"/>
-                          </a:rPr>
-                          <m:t>𝔻</m:t>
-                        </m:r>
-                      </m:e>
-                      <m:sup>
-                        <m:r>
-                          <m:rPr>
-                            <m:sty m:val="p"/>
-                          </m:rPr>
-                          <a:rPr lang="en-US" altLang="zh-TW">
-                            <a:effectLst/>
-                            <a:latin typeface="Cambria Math" panose="02040503050406030204" pitchFamily="18" charset="0"/>
-                            <a:ea typeface="新細明體" panose="02020500000000000000" pitchFamily="18" charset="-120"/>
-                            <a:cs typeface="Times New Roman" panose="02020603050405020304" pitchFamily="18" charset="0"/>
-                          </a:rPr>
-                          <m:t>train</m:t>
-                        </m:r>
-                      </m:sup>
-                    </m:sSup>
-                  </m:oMath>
-                </a14:m>
-                <a:r>
-                  <a:rPr lang="zh-TW" altLang="zh-TW" dirty="0">
-                    <a:effectLst/>
-                    <a:latin typeface="微軟正黑體" panose="020B0604030504040204" pitchFamily="34" charset="-120"/>
-                    <a:ea typeface="微軟正黑體" panose="020B0604030504040204" pitchFamily="34" charset="-120"/>
-                    <a:cs typeface="Times New Roman" panose="02020603050405020304" pitchFamily="18" charset="0"/>
-                  </a:rPr>
-                  <a:t>用於估計語言模型的參數</a:t>
-                </a:r>
-                <a:r>
-                  <a:rPr lang="zh-TW" altLang="en-US" dirty="0">
-                    <a:effectLst/>
-                    <a:latin typeface="微軟正黑體" panose="020B0604030504040204" pitchFamily="34" charset="-120"/>
-                    <a:ea typeface="微軟正黑體" panose="020B0604030504040204" pitchFamily="34" charset="-120"/>
-                    <a:cs typeface="Times New Roman" panose="02020603050405020304" pitchFamily="18" charset="0"/>
-                  </a:rPr>
-                  <a:t>，算出一個模型</a:t>
-                </a:r>
-                <a:endParaRPr lang="en-US" altLang="zh-TW" dirty="0">
-                  <a:effectLst/>
-                  <a:latin typeface="微軟正黑體" panose="020B0604030504040204" pitchFamily="34" charset="-120"/>
-                  <a:ea typeface="微軟正黑體" panose="020B0604030504040204" pitchFamily="34" charset="-120"/>
-                  <a:cs typeface="Times New Roman" panose="02020603050405020304" pitchFamily="18" charset="0"/>
-                </a:endParaRPr>
-              </a:p>
-              <a:p>
-                <a:pPr marL="514350" indent="-514350">
-                  <a:buFont typeface="+mj-lt"/>
-                  <a:buAutoNum type="arabicPeriod"/>
-                </a:pPr>
-                <a:r>
-                  <a:rPr lang="zh-TW" altLang="en-US" dirty="0">
-                    <a:effectLst/>
-                    <a:latin typeface="微軟正黑體" panose="020B0604030504040204" pitchFamily="34" charset="-120"/>
-                    <a:ea typeface="微軟正黑體" panose="020B0604030504040204" pitchFamily="34" charset="-120"/>
-                    <a:cs typeface="Times New Roman" panose="02020603050405020304" pitchFamily="18" charset="0"/>
-                  </a:rPr>
-                  <a:t>套用該</a:t>
-                </a:r>
-                <a:r>
-                  <a:rPr lang="zh-TW" altLang="zh-TW" dirty="0">
-                    <a:effectLst/>
-                    <a:latin typeface="微軟正黑體" panose="020B0604030504040204" pitchFamily="34" charset="-120"/>
-                    <a:ea typeface="微軟正黑體" panose="020B0604030504040204" pitchFamily="34" charset="-120"/>
-                    <a:cs typeface="Times New Roman" panose="02020603050405020304" pitchFamily="18" charset="0"/>
-                  </a:rPr>
-                  <a:t>模型</a:t>
-                </a:r>
-                <a:r>
-                  <a:rPr lang="zh-TW" altLang="en-US" dirty="0">
-                    <a:effectLst/>
-                    <a:latin typeface="微軟正黑體" panose="020B0604030504040204" pitchFamily="34" charset="-120"/>
-                    <a:ea typeface="微軟正黑體" panose="020B0604030504040204" pitchFamily="34" charset="-120"/>
-                    <a:cs typeface="Times New Roman" panose="02020603050405020304" pitchFamily="18" charset="0"/>
-                  </a:rPr>
-                  <a:t>，將</a:t>
-                </a:r>
-                <a:r>
-                  <a:rPr lang="zh-TW" altLang="zh-TW" dirty="0">
-                    <a:effectLst/>
-                    <a:latin typeface="微軟正黑體" panose="020B0604030504040204" pitchFamily="34" charset="-120"/>
-                    <a:ea typeface="微軟正黑體" panose="020B0604030504040204" pitchFamily="34" charset="-120"/>
-                    <a:cs typeface="Times New Roman" panose="02020603050405020304" pitchFamily="18" charset="0"/>
-                  </a:rPr>
-                  <a:t>測試集</a:t>
-                </a:r>
-                <a:r>
-                  <a:rPr lang="zh-TW" altLang="en-US" dirty="0">
-                    <a:effectLst/>
-                    <a:latin typeface="微軟正黑體" panose="020B0604030504040204" pitchFamily="34" charset="-120"/>
-                    <a:ea typeface="微軟正黑體" panose="020B0604030504040204" pitchFamily="34" charset="-120"/>
-                    <a:cs typeface="Times New Roman" panose="02020603050405020304" pitchFamily="18" charset="0"/>
-                  </a:rPr>
-                  <a:t>放入，計算測試集</a:t>
-                </a:r>
-                <a:r>
-                  <a:rPr lang="zh-TW" altLang="zh-TW" dirty="0">
-                    <a:effectLst/>
-                    <a:latin typeface="微軟正黑體" panose="020B0604030504040204" pitchFamily="34" charset="-120"/>
-                    <a:ea typeface="微軟正黑體" panose="020B0604030504040204" pitchFamily="34" charset="-120"/>
-                    <a:cs typeface="Times New Roman" panose="02020603050405020304" pitchFamily="18" charset="0"/>
-                  </a:rPr>
-                  <a:t>的機率</a:t>
-                </a:r>
-                <a14:m>
-                  <m:oMath xmlns:m="http://schemas.openxmlformats.org/officeDocument/2006/math">
-                    <m:r>
-                      <a:rPr lang="en-US" altLang="zh-TW" i="1">
-                        <a:effectLst/>
-                        <a:latin typeface="Cambria Math" panose="02040503050406030204" pitchFamily="18" charset="0"/>
-                        <a:ea typeface="新細明體" panose="02020500000000000000" pitchFamily="18" charset="-120"/>
-                        <a:cs typeface="Times New Roman" panose="02020603050405020304" pitchFamily="18" charset="0"/>
-                      </a:rPr>
-                      <m:t>𝑃</m:t>
-                    </m:r>
-                    <m:r>
-                      <a:rPr lang="en-US" altLang="zh-TW">
-                        <a:effectLst/>
-                        <a:latin typeface="Cambria Math" panose="02040503050406030204" pitchFamily="18" charset="0"/>
-                        <a:ea typeface="新細明體" panose="02020500000000000000" pitchFamily="18" charset="-120"/>
-                        <a:cs typeface="Times New Roman" panose="02020603050405020304" pitchFamily="18" charset="0"/>
-                      </a:rPr>
-                      <m:t>(</m:t>
-                    </m:r>
-                    <m:sSup>
-                      <m:sSupPr>
-                        <m:ctrlPr>
-                          <a:rPr lang="zh-TW" altLang="zh-TW" i="1">
-                            <a:effectLst/>
-                            <a:latin typeface="Cambria Math" panose="02040503050406030204" pitchFamily="18" charset="0"/>
-                            <a:ea typeface="Cambria Math" panose="02040503050406030204" pitchFamily="18" charset="0"/>
-                          </a:rPr>
-                        </m:ctrlPr>
-                      </m:sSupPr>
-                      <m:e>
-                        <m:r>
-                          <a:rPr lang="en-US" altLang="zh-TW" i="1">
-                            <a:effectLst/>
-                            <a:latin typeface="Cambria Math" panose="02040503050406030204" pitchFamily="18" charset="0"/>
-                            <a:ea typeface="新細明體" panose="02020500000000000000" pitchFamily="18" charset="-120"/>
-                            <a:cs typeface="Times New Roman" panose="02020603050405020304" pitchFamily="18" charset="0"/>
-                          </a:rPr>
-                          <m:t>𝔻</m:t>
-                        </m:r>
-                      </m:e>
-                      <m:sup>
-                        <m:r>
-                          <m:rPr>
-                            <m:sty m:val="p"/>
-                          </m:rPr>
-                          <a:rPr lang="en-US" altLang="zh-TW">
-                            <a:effectLst/>
-                            <a:latin typeface="Cambria Math" panose="02040503050406030204" pitchFamily="18" charset="0"/>
-                            <a:ea typeface="新細明體" panose="02020500000000000000" pitchFamily="18" charset="-120"/>
-                            <a:cs typeface="Times New Roman" panose="02020603050405020304" pitchFamily="18" charset="0"/>
-                          </a:rPr>
-                          <m:t>test</m:t>
-                        </m:r>
-                      </m:sup>
-                    </m:sSup>
-                    <m:r>
-                      <a:rPr lang="en-US" altLang="zh-TW">
-                        <a:effectLst/>
-                        <a:latin typeface="Cambria Math" panose="02040503050406030204" pitchFamily="18" charset="0"/>
-                        <a:ea typeface="新細明體" panose="02020500000000000000" pitchFamily="18" charset="-120"/>
-                        <a:cs typeface="Times New Roman" panose="02020603050405020304" pitchFamily="18" charset="0"/>
-                      </a:rPr>
-                      <m:t>)</m:t>
-                    </m:r>
-                  </m:oMath>
-                </a14:m>
-                <a:r>
-                  <a:rPr lang="zh-TW" altLang="en-US" dirty="0">
-                    <a:effectLst/>
-                    <a:latin typeface="微軟正黑體" panose="020B0604030504040204" pitchFamily="34" charset="-120"/>
-                    <a:ea typeface="微軟正黑體" panose="020B0604030504040204" pitchFamily="34" charset="-120"/>
-                    <a:cs typeface="Times New Roman" panose="02020603050405020304" pitchFamily="18" charset="0"/>
-                  </a:rPr>
-                  <a:t>，</a:t>
-                </a:r>
-                <a:r>
-                  <a:rPr lang="zh-TW" altLang="zh-TW" dirty="0">
-                    <a:effectLst/>
-                    <a:latin typeface="微軟正黑體" panose="020B0604030504040204" pitchFamily="34" charset="-120"/>
-                    <a:ea typeface="微軟正黑體" panose="020B0604030504040204" pitchFamily="34" charset="-120"/>
-                    <a:cs typeface="Times New Roman" panose="02020603050405020304" pitchFamily="18" charset="0"/>
-                  </a:rPr>
-                  <a:t>反映了模型在測試集上的泛化能力</a:t>
-                </a:r>
-                <a:endParaRPr lang="en-US" altLang="zh-TW" dirty="0">
-                  <a:effectLst/>
-                  <a:latin typeface="微軟正黑體" panose="020B0604030504040204" pitchFamily="34" charset="-120"/>
-                  <a:ea typeface="微軟正黑體" panose="020B0604030504040204" pitchFamily="34" charset="-120"/>
-                  <a:cs typeface="Times New Roman" panose="02020603050405020304" pitchFamily="18" charset="0"/>
-                </a:endParaRPr>
-              </a:p>
-              <a:p>
-                <a:pPr marL="514350" indent="-514350">
-                  <a:buFont typeface="+mj-lt"/>
-                  <a:buAutoNum type="arabicPeriod"/>
-                </a:pPr>
-                <a:r>
-                  <a:rPr lang="zh-TW" altLang="zh-TW" dirty="0">
-                    <a:effectLst/>
-                    <a:latin typeface="微軟正黑體" panose="020B0604030504040204" pitchFamily="34" charset="-120"/>
-                    <a:ea typeface="微軟正黑體" panose="020B0604030504040204" pitchFamily="34" charset="-120"/>
-                    <a:cs typeface="Times New Roman" panose="02020603050405020304" pitchFamily="18" charset="0"/>
-                  </a:rPr>
-                  <a:t>假設測試集</a:t>
-                </a:r>
-                <a14:m>
-                  <m:oMath xmlns:m="http://schemas.openxmlformats.org/officeDocument/2006/math">
-                    <m:sSup>
-                      <m:sSupPr>
-                        <m:ctrlPr>
-                          <a:rPr lang="zh-TW" altLang="zh-TW" i="1">
-                            <a:effectLst/>
-                            <a:latin typeface="Cambria Math" panose="02040503050406030204" pitchFamily="18" charset="0"/>
-                            <a:ea typeface="Cambria Math" panose="02040503050406030204" pitchFamily="18" charset="0"/>
-                          </a:rPr>
-                        </m:ctrlPr>
-                      </m:sSupPr>
-                      <m:e>
-                        <m:r>
-                          <a:rPr lang="en-US" altLang="zh-TW" i="1">
-                            <a:effectLst/>
-                            <a:latin typeface="Cambria Math" panose="02040503050406030204" pitchFamily="18" charset="0"/>
-                            <a:ea typeface="新細明體" panose="02020500000000000000" pitchFamily="18" charset="-120"/>
-                            <a:cs typeface="Times New Roman" panose="02020603050405020304" pitchFamily="18" charset="0"/>
-                          </a:rPr>
-                          <m:t>𝔻</m:t>
-                        </m:r>
-                      </m:e>
-                      <m:sup>
-                        <m:r>
-                          <m:rPr>
-                            <m:sty m:val="p"/>
-                          </m:rPr>
-                          <a:rPr lang="en-US" altLang="zh-TW">
-                            <a:effectLst/>
-                            <a:latin typeface="Cambria Math" panose="02040503050406030204" pitchFamily="18" charset="0"/>
-                            <a:ea typeface="新細明體" panose="02020500000000000000" pitchFamily="18" charset="-120"/>
-                            <a:cs typeface="Times New Roman" panose="02020603050405020304" pitchFamily="18" charset="0"/>
-                          </a:rPr>
-                          <m:t>test</m:t>
-                        </m:r>
-                      </m:sup>
-                    </m:sSup>
-                    <m:r>
-                      <a:rPr lang="en-US" altLang="zh-TW">
-                        <a:effectLst/>
-                        <a:latin typeface="Cambria Math" panose="02040503050406030204" pitchFamily="18" charset="0"/>
-                        <a:ea typeface="新細明體" panose="02020500000000000000" pitchFamily="18" charset="-120"/>
-                        <a:cs typeface="Times New Roman" panose="02020603050405020304" pitchFamily="18" charset="0"/>
-                      </a:rPr>
-                      <m:t>=</m:t>
-                    </m:r>
-                    <m:sSub>
-                      <m:sSubPr>
-                        <m:ctrlPr>
-                          <a:rPr lang="zh-TW" altLang="zh-TW" i="1">
-                            <a:effectLst/>
-                            <a:latin typeface="Cambria Math" panose="02040503050406030204" pitchFamily="18" charset="0"/>
-                            <a:ea typeface="Cambria Math" panose="02040503050406030204" pitchFamily="18" charset="0"/>
-                          </a:rPr>
-                        </m:ctrlPr>
-                      </m:sSubPr>
-                      <m:e>
-                        <m:r>
-                          <a:rPr lang="en-US" altLang="zh-TW" i="1">
-                            <a:effectLst/>
-                            <a:latin typeface="Cambria Math" panose="02040503050406030204" pitchFamily="18" charset="0"/>
-                            <a:ea typeface="新細明體" panose="02020500000000000000" pitchFamily="18" charset="-120"/>
-                            <a:cs typeface="Times New Roman" panose="02020603050405020304" pitchFamily="18" charset="0"/>
-                          </a:rPr>
-                          <m:t>𝑤</m:t>
-                        </m:r>
-                      </m:e>
-                      <m:sub>
-                        <m:r>
-                          <a:rPr lang="en-US" altLang="zh-TW">
-                            <a:effectLst/>
-                            <a:latin typeface="Cambria Math" panose="02040503050406030204" pitchFamily="18" charset="0"/>
-                            <a:ea typeface="新細明體" panose="02020500000000000000" pitchFamily="18" charset="-120"/>
-                            <a:cs typeface="Times New Roman" panose="02020603050405020304" pitchFamily="18" charset="0"/>
-                          </a:rPr>
-                          <m:t>1</m:t>
-                        </m:r>
-                      </m:sub>
-                    </m:sSub>
-                    <m:sSub>
-                      <m:sSubPr>
-                        <m:ctrlPr>
-                          <a:rPr lang="zh-TW" altLang="zh-TW" i="1">
-                            <a:effectLst/>
-                            <a:latin typeface="Cambria Math" panose="02040503050406030204" pitchFamily="18" charset="0"/>
-                            <a:ea typeface="Cambria Math" panose="02040503050406030204" pitchFamily="18" charset="0"/>
-                          </a:rPr>
-                        </m:ctrlPr>
-                      </m:sSubPr>
-                      <m:e>
-                        <m:r>
-                          <a:rPr lang="en-US" altLang="zh-TW" i="1">
-                            <a:effectLst/>
-                            <a:latin typeface="Cambria Math" panose="02040503050406030204" pitchFamily="18" charset="0"/>
-                            <a:ea typeface="新細明體" panose="02020500000000000000" pitchFamily="18" charset="-120"/>
-                            <a:cs typeface="Times New Roman" panose="02020603050405020304" pitchFamily="18" charset="0"/>
-                          </a:rPr>
-                          <m:t>𝑤</m:t>
-                        </m:r>
-                      </m:e>
-                      <m:sub>
-                        <m:r>
-                          <a:rPr lang="en-US" altLang="zh-TW">
-                            <a:effectLst/>
-                            <a:latin typeface="Cambria Math" panose="02040503050406030204" pitchFamily="18" charset="0"/>
-                            <a:ea typeface="新細明體" panose="02020500000000000000" pitchFamily="18" charset="-120"/>
-                            <a:cs typeface="Times New Roman" panose="02020603050405020304" pitchFamily="18" charset="0"/>
-                          </a:rPr>
-                          <m:t>2</m:t>
-                        </m:r>
-                      </m:sub>
-                    </m:sSub>
-                    <m:r>
-                      <a:rPr lang="en-US" altLang="zh-TW" i="1">
-                        <a:effectLst/>
-                        <a:latin typeface="Cambria Math" panose="02040503050406030204" pitchFamily="18" charset="0"/>
-                        <a:ea typeface="新細明體" panose="02020500000000000000" pitchFamily="18" charset="-120"/>
-                        <a:cs typeface="Times New Roman" panose="02020603050405020304" pitchFamily="18" charset="0"/>
-                      </a:rPr>
-                      <m:t>⋯</m:t>
-                    </m:r>
-                    <m:sSub>
-                      <m:sSubPr>
-                        <m:ctrlPr>
-                          <a:rPr lang="zh-TW" altLang="zh-TW" i="1">
-                            <a:effectLst/>
-                            <a:latin typeface="Cambria Math" panose="02040503050406030204" pitchFamily="18" charset="0"/>
-                            <a:ea typeface="Cambria Math" panose="02040503050406030204" pitchFamily="18" charset="0"/>
-                          </a:rPr>
-                        </m:ctrlPr>
-                      </m:sSubPr>
-                      <m:e>
-                        <m:r>
-                          <a:rPr lang="en-US" altLang="zh-TW" i="1">
-                            <a:effectLst/>
-                            <a:latin typeface="Cambria Math" panose="02040503050406030204" pitchFamily="18" charset="0"/>
-                            <a:ea typeface="新細明體" panose="02020500000000000000" pitchFamily="18" charset="-120"/>
-                            <a:cs typeface="Times New Roman" panose="02020603050405020304" pitchFamily="18" charset="0"/>
-                          </a:rPr>
-                          <m:t>𝑤</m:t>
-                        </m:r>
-                      </m:e>
-                      <m:sub>
-                        <m:r>
-                          <a:rPr lang="en-US" altLang="zh-TW" i="1">
-                            <a:effectLst/>
-                            <a:latin typeface="Cambria Math" panose="02040503050406030204" pitchFamily="18" charset="0"/>
-                            <a:ea typeface="新細明體" panose="02020500000000000000" pitchFamily="18" charset="-120"/>
-                            <a:cs typeface="Times New Roman" panose="02020603050405020304" pitchFamily="18" charset="0"/>
-                          </a:rPr>
-                          <m:t>𝑁</m:t>
-                        </m:r>
-                      </m:sub>
-                    </m:sSub>
-                  </m:oMath>
-                </a14:m>
-                <a:r>
-                  <a:rPr lang="zh-TW" altLang="zh-TW" dirty="0">
-                    <a:effectLst/>
-                    <a:latin typeface="微軟正黑體" panose="020B0604030504040204" pitchFamily="34" charset="-120"/>
-                    <a:ea typeface="微軟正黑體" panose="020B0604030504040204" pitchFamily="34" charset="-120"/>
-                    <a:cs typeface="Times New Roman" panose="02020603050405020304" pitchFamily="18" charset="0"/>
-                  </a:rPr>
-                  <a:t>（每個句子的開始和結束分佈增加</a:t>
-                </a:r>
-                <a:r>
-                  <a:rPr lang="en-US" altLang="zh-TW" dirty="0">
-                    <a:effectLst/>
-                    <a:latin typeface="微軟正黑體" panose="020B0604030504040204" pitchFamily="34" charset="-120"/>
-                    <a:ea typeface="微軟正黑體" panose="020B0604030504040204" pitchFamily="34" charset="-120"/>
-                    <a:cs typeface="Times New Roman" panose="02020603050405020304" pitchFamily="18" charset="0"/>
-                  </a:rPr>
-                  <a:t>&lt;BOS&gt;</a:t>
-                </a:r>
-                <a:r>
-                  <a:rPr lang="zh-TW" altLang="zh-TW" dirty="0">
-                    <a:effectLst/>
-                    <a:latin typeface="微軟正黑體" panose="020B0604030504040204" pitchFamily="34" charset="-120"/>
-                    <a:ea typeface="微軟正黑體" panose="020B0604030504040204" pitchFamily="34" charset="-120"/>
-                    <a:cs typeface="Times New Roman" panose="02020603050405020304" pitchFamily="18" charset="0"/>
-                  </a:rPr>
-                  <a:t>與</a:t>
-                </a:r>
-                <a:r>
-                  <a:rPr lang="en-US" altLang="zh-TW" dirty="0">
-                    <a:effectLst/>
-                    <a:latin typeface="微軟正黑體" panose="020B0604030504040204" pitchFamily="34" charset="-120"/>
-                    <a:ea typeface="微軟正黑體" panose="020B0604030504040204" pitchFamily="34" charset="-120"/>
-                    <a:cs typeface="Times New Roman" panose="02020603050405020304" pitchFamily="18" charset="0"/>
-                  </a:rPr>
-                  <a:t>&lt;EOS&gt;</a:t>
-                </a:r>
-                <a:r>
-                  <a:rPr lang="zh-TW" altLang="zh-TW" dirty="0">
-                    <a:effectLst/>
-                    <a:latin typeface="微軟正黑體" panose="020B0604030504040204" pitchFamily="34" charset="-120"/>
-                    <a:ea typeface="微軟正黑體" panose="020B0604030504040204" pitchFamily="34" charset="-120"/>
-                    <a:cs typeface="Times New Roman" panose="02020603050405020304" pitchFamily="18" charset="0"/>
-                  </a:rPr>
-                  <a:t>標記），那麼測試集的機率為</a:t>
-                </a:r>
-                <a:endParaRPr lang="en-US" altLang="zh-TW" dirty="0">
-                  <a:effectLst/>
-                  <a:latin typeface="微軟正黑體" panose="020B0604030504040204" pitchFamily="34" charset="-120"/>
-                  <a:ea typeface="微軟正黑體" panose="020B0604030504040204" pitchFamily="34" charset="-120"/>
-                  <a:cs typeface="Times New Roman" panose="02020603050405020304" pitchFamily="18" charset="0"/>
-                </a:endParaRPr>
-              </a:p>
-              <a:p>
-                <a:pPr marL="514350" indent="-514350">
-                  <a:buFont typeface="+mj-lt"/>
-                  <a:buAutoNum type="arabicPeriod"/>
-                </a:pPr>
-                <a:endParaRPr lang="en-US" altLang="zh-TW" dirty="0">
-                  <a:latin typeface="微軟正黑體" panose="020B0604030504040204" pitchFamily="34" charset="-120"/>
-                  <a:ea typeface="微軟正黑體" panose="020B0604030504040204" pitchFamily="34" charset="-120"/>
-                  <a:cs typeface="Times New Roman" panose="02020603050405020304" pitchFamily="18" charset="0"/>
-                </a:endParaRPr>
-              </a:p>
-              <a:p>
-                <a:pPr marL="514350" indent="-514350">
-                  <a:buFont typeface="+mj-lt"/>
-                  <a:buAutoNum type="arabicPeriod"/>
-                </a:pPr>
-                <a:endParaRPr lang="en-US" altLang="zh-TW" dirty="0">
-                  <a:latin typeface="微軟正黑體" panose="020B0604030504040204" pitchFamily="34" charset="-120"/>
-                  <a:ea typeface="微軟正黑體" panose="020B0604030504040204" pitchFamily="34" charset="-120"/>
-                </a:endParaRPr>
-              </a:p>
-            </p:txBody>
-          </p:sp>
-        </mc:Choice>
-        <mc:Fallback xmlns="">
-          <p:sp>
-            <p:nvSpPr>
-              <p:cNvPr id="3" name="內容版面配置區 2">
-                <a:extLst>
-                  <a:ext uri="{FF2B5EF4-FFF2-40B4-BE49-F238E27FC236}">
-                    <a16:creationId xmlns:a16="http://schemas.microsoft.com/office/drawing/2014/main" id="{3ABFD44D-8A96-48EF-87FE-009D440D49A9}"/>
-                  </a:ext>
-                </a:extLst>
-              </p:cNvPr>
-              <p:cNvSpPr>
-                <a:spLocks noGrp="1" noRot="1" noChangeAspect="1" noMove="1" noResize="1" noEditPoints="1" noAdjustHandles="1" noChangeArrowheads="1" noChangeShapeType="1" noTextEdit="1"/>
-              </p:cNvSpPr>
-              <p:nvPr>
-                <p:ph idx="1"/>
-              </p:nvPr>
-            </p:nvSpPr>
-            <p:spPr>
-              <a:xfrm>
-                <a:off x="838200" y="1202076"/>
-                <a:ext cx="10515600" cy="5363111"/>
-              </a:xfrm>
-              <a:blipFill>
-                <a:blip r:embed="rId2"/>
-                <a:stretch>
-                  <a:fillRect l="-1391" t="-2500" r="-638"/>
-                </a:stretch>
-              </a:blipFill>
-            </p:spPr>
-            <p:txBody>
-              <a:bodyPr/>
-              <a:lstStyle/>
-              <a:p>
-                <a:r>
-                  <a:rPr lang="zh-TW" altLang="en-US">
-                    <a:noFill/>
-                  </a:rPr>
-                  <a:t> </a:t>
-                </a:r>
-              </a:p>
-            </p:txBody>
-          </p:sp>
-        </mc:Fallback>
-      </mc:AlternateContent>
-      <p:pic>
-        <p:nvPicPr>
-          <p:cNvPr id="7" name="圖片 6">
-            <a:extLst>
-              <a:ext uri="{FF2B5EF4-FFF2-40B4-BE49-F238E27FC236}">
-                <a16:creationId xmlns:a16="http://schemas.microsoft.com/office/drawing/2014/main" id="{141B6F17-4DB5-4309-8F0A-0B398B023FDE}"/>
-              </a:ext>
-            </a:extLst>
-          </p:cNvPr>
-          <p:cNvPicPr>
-            <a:picLocks noChangeAspect="1"/>
-          </p:cNvPicPr>
-          <p:nvPr/>
-        </p:nvPicPr>
-        <p:blipFill>
-          <a:blip r:embed="rId3"/>
-          <a:stretch>
-            <a:fillRect/>
-          </a:stretch>
-        </p:blipFill>
-        <p:spPr>
-          <a:xfrm>
-            <a:off x="3395769" y="4692650"/>
-            <a:ext cx="4619625" cy="1800225"/>
-          </a:xfrm>
-          <a:prstGeom prst="rect">
-            <a:avLst/>
-          </a:prstGeom>
-        </p:spPr>
-      </p:pic>
-    </p:spTree>
-    <p:extLst>
-      <p:ext uri="{BB962C8B-B14F-4D97-AF65-F5344CB8AC3E}">
-        <p14:creationId xmlns:p14="http://schemas.microsoft.com/office/powerpoint/2010/main" val="310098465"/>
-      </p:ext>
-    </p:extLst>
-  </p:cSld>
-  <p:clrMapOvr>
-    <a:masterClrMapping/>
-  </p:clrMapOvr>
-</p:sld>
-</file>
-
-<file path=ppt/slides/slide47.xml><?xml version="1.0" encoding="utf-8"?>
-<p:sld xmlns:a="http://schemas.openxmlformats.org/drawingml/2006/main" xmlns:r="http://schemas.openxmlformats.org/officeDocument/2006/relationships" xmlns:p="http://schemas.openxmlformats.org/presentationml/2006/main">
-  <p:cSld>
-    <p:spTree>
-      <p:nvGrpSpPr>
-        <p:cNvPr id="1" name=""/>
-        <p:cNvGrpSpPr/>
-        <p:nvPr/>
-      </p:nvGrpSpPr>
-      <p:grpSpPr>
-        <a:xfrm>
-          <a:off x="0" y="0"/>
-          <a:ext cx="0" cy="0"/>
-          <a:chOff x="0" y="0"/>
-          <a:chExt cx="0" cy="0"/>
-        </a:xfrm>
-      </p:grpSpPr>
-      <p:sp>
-        <p:nvSpPr>
-          <p:cNvPr id="2" name="標題 1">
-            <a:extLst>
-              <a:ext uri="{FF2B5EF4-FFF2-40B4-BE49-F238E27FC236}">
-                <a16:creationId xmlns:a16="http://schemas.microsoft.com/office/drawing/2014/main" id="{6E2D17FC-8E91-4D68-9E33-2E731C896C47}"/>
-              </a:ext>
-            </a:extLst>
-          </p:cNvPr>
-          <p:cNvSpPr>
-            <a:spLocks noGrp="1"/>
-          </p:cNvSpPr>
-          <p:nvPr>
-            <p:ph type="title"/>
-          </p:nvPr>
-        </p:nvSpPr>
-        <p:spPr>
-          <a:xfrm>
-            <a:off x="838200" y="365125"/>
-            <a:ext cx="10515600" cy="682839"/>
-          </a:xfrm>
-        </p:spPr>
-        <p:txBody>
-          <a:bodyPr>
-            <a:normAutofit fontScale="90000"/>
-          </a:bodyPr>
-          <a:lstStyle/>
-          <a:p>
-            <a:r>
-              <a:rPr lang="zh-TW" altLang="en-US" b="1" dirty="0">
-                <a:latin typeface="微軟正黑體" panose="020B0604030504040204" pitchFamily="34" charset="-120"/>
-                <a:ea typeface="微軟正黑體" panose="020B0604030504040204" pitchFamily="34" charset="-120"/>
-              </a:rPr>
-              <a:t>困或度性能評價</a:t>
-            </a:r>
-          </a:p>
-        </p:txBody>
-      </p:sp>
-      <p:sp>
-        <p:nvSpPr>
-          <p:cNvPr id="3" name="內容版面配置區 2">
-            <a:extLst>
-              <a:ext uri="{FF2B5EF4-FFF2-40B4-BE49-F238E27FC236}">
-                <a16:creationId xmlns:a16="http://schemas.microsoft.com/office/drawing/2014/main" id="{3ABFD44D-8A96-48EF-87FE-009D440D49A9}"/>
-              </a:ext>
-            </a:extLst>
-          </p:cNvPr>
-          <p:cNvSpPr>
-            <a:spLocks noGrp="1"/>
-          </p:cNvSpPr>
-          <p:nvPr>
-            <p:ph idx="1"/>
-          </p:nvPr>
-        </p:nvSpPr>
-        <p:spPr>
-          <a:xfrm>
-            <a:off x="838200" y="1202076"/>
-            <a:ext cx="10515600" cy="5363111"/>
-          </a:xfrm>
-        </p:spPr>
-        <p:txBody>
-          <a:bodyPr>
-            <a:noAutofit/>
-          </a:bodyPr>
-          <a:lstStyle/>
-          <a:p>
-            <a:pPr marL="514350" indent="-514350">
-              <a:buFont typeface="+mj-lt"/>
-              <a:buAutoNum type="arabicPeriod"/>
-            </a:pPr>
-            <a:r>
-              <a:rPr lang="zh-TW" altLang="zh-TW" dirty="0">
-                <a:latin typeface="微軟正黑體" panose="020B0604030504040204" pitchFamily="34" charset="-120"/>
-                <a:ea typeface="微軟正黑體" panose="020B0604030504040204" pitchFamily="34" charset="-120"/>
-              </a:rPr>
-              <a:t>困惑度則為模型分配給測試集中每一個詞的機率的幾何平均值的倒數：</a:t>
-            </a:r>
-            <a:endParaRPr lang="en-US" altLang="zh-TW" dirty="0">
-              <a:latin typeface="微軟正黑體" panose="020B0604030504040204" pitchFamily="34" charset="-120"/>
-              <a:ea typeface="微軟正黑體" panose="020B0604030504040204" pitchFamily="34" charset="-120"/>
-            </a:endParaRPr>
-          </a:p>
-          <a:p>
-            <a:pPr marL="514350" indent="-514350">
-              <a:buFont typeface="+mj-lt"/>
-              <a:buAutoNum type="arabicPeriod"/>
-            </a:pPr>
-            <a:endParaRPr lang="en-US" altLang="zh-TW" dirty="0">
-              <a:latin typeface="微軟正黑體" panose="020B0604030504040204" pitchFamily="34" charset="-120"/>
-              <a:ea typeface="微軟正黑體" panose="020B0604030504040204" pitchFamily="34" charset="-120"/>
-              <a:cs typeface="Times New Roman" panose="02020603050405020304" pitchFamily="18" charset="0"/>
-            </a:endParaRPr>
-          </a:p>
-          <a:p>
-            <a:pPr marL="514350" indent="-514350">
-              <a:buFont typeface="+mj-lt"/>
-              <a:buAutoNum type="arabicPeriod"/>
-            </a:pPr>
-            <a:endParaRPr lang="en-US" altLang="zh-TW" dirty="0">
-              <a:latin typeface="微軟正黑體" panose="020B0604030504040204" pitchFamily="34" charset="-120"/>
-              <a:ea typeface="微軟正黑體" panose="020B0604030504040204" pitchFamily="34" charset="-120"/>
-              <a:cs typeface="Times New Roman" panose="02020603050405020304" pitchFamily="18" charset="0"/>
-            </a:endParaRPr>
-          </a:p>
-          <a:p>
-            <a:pPr marL="514350" indent="-514350">
-              <a:buFont typeface="+mj-lt"/>
-              <a:buAutoNum type="arabicPeriod"/>
-            </a:pPr>
-            <a:r>
-              <a:rPr lang="zh-TW" altLang="zh-TW" dirty="0">
-                <a:effectLst/>
-                <a:latin typeface="微軟正黑體" panose="020B0604030504040204" pitchFamily="34" charset="-120"/>
-                <a:ea typeface="微軟正黑體" panose="020B0604030504040204" pitchFamily="34" charset="-120"/>
-                <a:cs typeface="Times New Roman" panose="02020603050405020304" pitchFamily="18" charset="0"/>
-              </a:rPr>
-              <a:t>舉例來說，對於</a:t>
-            </a:r>
-            <a:r>
-              <a:rPr lang="en-US" altLang="zh-TW" dirty="0">
-                <a:effectLst/>
-                <a:latin typeface="微軟正黑體" panose="020B0604030504040204" pitchFamily="34" charset="-120"/>
-                <a:ea typeface="微軟正黑體" panose="020B0604030504040204" pitchFamily="34" charset="-120"/>
-                <a:cs typeface="Times New Roman" panose="02020603050405020304" pitchFamily="18" charset="0"/>
-              </a:rPr>
-              <a:t>bigram</a:t>
-            </a:r>
-            <a:r>
-              <a:rPr lang="zh-TW" altLang="zh-TW" dirty="0">
-                <a:effectLst/>
-                <a:latin typeface="微軟正黑體" panose="020B0604030504040204" pitchFamily="34" charset="-120"/>
-                <a:ea typeface="微軟正黑體" panose="020B0604030504040204" pitchFamily="34" charset="-120"/>
-                <a:cs typeface="Times New Roman" panose="02020603050405020304" pitchFamily="18" charset="0"/>
-              </a:rPr>
-              <a:t>模型而言</a:t>
-            </a:r>
-            <a:endParaRPr lang="en-US" altLang="zh-TW" dirty="0">
-              <a:effectLst/>
-              <a:latin typeface="微軟正黑體" panose="020B0604030504040204" pitchFamily="34" charset="-120"/>
-              <a:ea typeface="微軟正黑體" panose="020B0604030504040204" pitchFamily="34" charset="-120"/>
-              <a:cs typeface="Times New Roman" panose="02020603050405020304" pitchFamily="18" charset="0"/>
-            </a:endParaRPr>
-          </a:p>
-          <a:p>
-            <a:pPr marL="514350" indent="-514350">
-              <a:buFont typeface="+mj-lt"/>
-              <a:buAutoNum type="arabicPeriod"/>
-            </a:pPr>
-            <a:endParaRPr lang="en-US" altLang="zh-TW" dirty="0">
-              <a:latin typeface="微軟正黑體" panose="020B0604030504040204" pitchFamily="34" charset="-120"/>
-              <a:ea typeface="微軟正黑體" panose="020B0604030504040204" pitchFamily="34" charset="-120"/>
-              <a:cs typeface="Times New Roman" panose="02020603050405020304" pitchFamily="18" charset="0"/>
-            </a:endParaRPr>
-          </a:p>
-          <a:p>
-            <a:pPr marL="514350" indent="-514350">
-              <a:buFont typeface="+mj-lt"/>
-              <a:buAutoNum type="arabicPeriod"/>
-            </a:pPr>
-            <a:endParaRPr lang="en-US" altLang="zh-TW" dirty="0">
-              <a:effectLst/>
-              <a:latin typeface="微軟正黑體" panose="020B0604030504040204" pitchFamily="34" charset="-120"/>
-              <a:ea typeface="微軟正黑體" panose="020B0604030504040204" pitchFamily="34" charset="-120"/>
-              <a:cs typeface="Times New Roman" panose="02020603050405020304" pitchFamily="18" charset="0"/>
-            </a:endParaRPr>
-          </a:p>
-          <a:p>
-            <a:pPr marL="514350" indent="-514350">
-              <a:buFont typeface="+mj-lt"/>
-              <a:buAutoNum type="arabicPeriod"/>
-            </a:pPr>
-            <a:endParaRPr lang="en-US" altLang="zh-TW" dirty="0">
-              <a:effectLst/>
-              <a:latin typeface="微軟正黑體" panose="020B0604030504040204" pitchFamily="34" charset="-120"/>
-              <a:ea typeface="微軟正黑體" panose="020B0604030504040204" pitchFamily="34" charset="-120"/>
-              <a:cs typeface="Times New Roman" panose="02020603050405020304" pitchFamily="18" charset="0"/>
-            </a:endParaRPr>
-          </a:p>
-          <a:p>
-            <a:pPr marL="514350" indent="-514350">
-              <a:buFont typeface="+mj-lt"/>
-              <a:buAutoNum type="arabicPeriod"/>
-            </a:pPr>
-            <a:r>
-              <a:rPr lang="zh-TW" altLang="zh-TW" dirty="0">
-                <a:effectLst/>
-                <a:latin typeface="微軟正黑體" panose="020B0604030504040204" pitchFamily="34" charset="-120"/>
-                <a:ea typeface="微軟正黑體" panose="020B0604030504040204" pitchFamily="34" charset="-120"/>
-                <a:cs typeface="Times New Roman" panose="02020603050405020304" pitchFamily="18" charset="0"/>
-              </a:rPr>
-              <a:t>實際計算過程中，考慮到多個機率的連乘可能帶來浮點數下溢的問題，轉化為對數和</a:t>
-            </a:r>
-            <a:endParaRPr lang="en-US" altLang="zh-TW" dirty="0">
-              <a:effectLst/>
-              <a:latin typeface="微軟正黑體" panose="020B0604030504040204" pitchFamily="34" charset="-120"/>
-              <a:ea typeface="微軟正黑體" panose="020B0604030504040204" pitchFamily="34" charset="-120"/>
-              <a:cs typeface="Times New Roman" panose="02020603050405020304" pitchFamily="18" charset="0"/>
-            </a:endParaRPr>
-          </a:p>
-          <a:p>
-            <a:pPr marL="514350" indent="-514350">
-              <a:buFont typeface="+mj-lt"/>
-              <a:buAutoNum type="arabicPeriod"/>
-            </a:pPr>
-            <a:endParaRPr lang="en-US" altLang="zh-TW" dirty="0">
-              <a:latin typeface="微軟正黑體" panose="020B0604030504040204" pitchFamily="34" charset="-120"/>
-              <a:ea typeface="微軟正黑體" panose="020B0604030504040204" pitchFamily="34" charset="-120"/>
-              <a:cs typeface="Times New Roman" panose="02020603050405020304" pitchFamily="18" charset="0"/>
-            </a:endParaRPr>
-          </a:p>
-          <a:p>
-            <a:pPr marL="514350" indent="-514350">
-              <a:buFont typeface="+mj-lt"/>
-              <a:buAutoNum type="arabicPeriod"/>
-            </a:pPr>
-            <a:endParaRPr lang="en-US" altLang="zh-TW" dirty="0">
-              <a:latin typeface="微軟正黑體" panose="020B0604030504040204" pitchFamily="34" charset="-120"/>
-              <a:ea typeface="微軟正黑體" panose="020B0604030504040204" pitchFamily="34" charset="-120"/>
-            </a:endParaRPr>
-          </a:p>
-        </p:txBody>
-      </p:sp>
-      <p:pic>
-        <p:nvPicPr>
-          <p:cNvPr id="5" name="圖片 4">
-            <a:extLst>
-              <a:ext uri="{FF2B5EF4-FFF2-40B4-BE49-F238E27FC236}">
-                <a16:creationId xmlns:a16="http://schemas.microsoft.com/office/drawing/2014/main" id="{9BB2E68F-351F-4864-9CFA-505980D4B1B5}"/>
-              </a:ext>
-            </a:extLst>
-          </p:cNvPr>
-          <p:cNvPicPr>
-            <a:picLocks noChangeAspect="1"/>
-          </p:cNvPicPr>
-          <p:nvPr/>
-        </p:nvPicPr>
-        <p:blipFill>
-          <a:blip r:embed="rId2"/>
-          <a:stretch>
-            <a:fillRect/>
-          </a:stretch>
-        </p:blipFill>
-        <p:spPr>
-          <a:xfrm>
-            <a:off x="838200" y="1931809"/>
-            <a:ext cx="5181600" cy="1247775"/>
-          </a:xfrm>
-          <a:prstGeom prst="rect">
-            <a:avLst/>
-          </a:prstGeom>
-        </p:spPr>
-      </p:pic>
-      <p:pic>
-        <p:nvPicPr>
-          <p:cNvPr id="8" name="圖片 7">
-            <a:extLst>
-              <a:ext uri="{FF2B5EF4-FFF2-40B4-BE49-F238E27FC236}">
-                <a16:creationId xmlns:a16="http://schemas.microsoft.com/office/drawing/2014/main" id="{B8E5F364-2176-45C7-B773-8535E70109CF}"/>
-              </a:ext>
-            </a:extLst>
-          </p:cNvPr>
-          <p:cNvPicPr>
-            <a:picLocks noChangeAspect="1"/>
-          </p:cNvPicPr>
-          <p:nvPr/>
-        </p:nvPicPr>
-        <p:blipFill>
-          <a:blip r:embed="rId3"/>
-          <a:stretch>
-            <a:fillRect/>
-          </a:stretch>
-        </p:blipFill>
-        <p:spPr>
-          <a:xfrm>
-            <a:off x="838200" y="3640664"/>
-            <a:ext cx="4962525" cy="1190625"/>
-          </a:xfrm>
-          <a:prstGeom prst="rect">
-            <a:avLst/>
-          </a:prstGeom>
-        </p:spPr>
-      </p:pic>
-      <p:pic>
-        <p:nvPicPr>
-          <p:cNvPr id="10" name="圖片 9">
-            <a:extLst>
-              <a:ext uri="{FF2B5EF4-FFF2-40B4-BE49-F238E27FC236}">
-                <a16:creationId xmlns:a16="http://schemas.microsoft.com/office/drawing/2014/main" id="{0445676A-9C8D-4801-AD44-1A5E7277BFAA}"/>
-              </a:ext>
-            </a:extLst>
-          </p:cNvPr>
-          <p:cNvPicPr>
-            <a:picLocks noChangeAspect="1"/>
-          </p:cNvPicPr>
-          <p:nvPr/>
-        </p:nvPicPr>
-        <p:blipFill>
-          <a:blip r:embed="rId4"/>
-          <a:stretch>
-            <a:fillRect/>
-          </a:stretch>
-        </p:blipFill>
-        <p:spPr>
-          <a:xfrm>
-            <a:off x="900112" y="6093431"/>
-            <a:ext cx="4838700" cy="762000"/>
-          </a:xfrm>
-          <a:prstGeom prst="rect">
-            <a:avLst/>
-          </a:prstGeom>
-        </p:spPr>
-      </p:pic>
-    </p:spTree>
-    <p:extLst>
-      <p:ext uri="{BB962C8B-B14F-4D97-AF65-F5344CB8AC3E}">
-        <p14:creationId xmlns:p14="http://schemas.microsoft.com/office/powerpoint/2010/main" val="458193374"/>
       </p:ext>
     </p:extLst>
   </p:cSld>

--- a/lecture03.pptx
+++ b/lecture03.pptx
@@ -3390,20 +3390,20 @@
           <a:lstStyle/>
           <a:p>
             <a:r>
-              <a:rPr lang="zh-TW" altLang="en-US" dirty="0">
+              <a:rPr lang="zh-TW" altLang="en-US" b="1" dirty="0">
                 <a:latin typeface="微軟正黑體" panose="020B0604030504040204" pitchFamily="34" charset="-120"/>
                 <a:ea typeface="微軟正黑體" panose="020B0604030504040204" pitchFamily="34" charset="-120"/>
               </a:rPr>
               <a:t>自然語言處理</a:t>
             </a:r>
             <a:br>
-              <a:rPr lang="en-US" altLang="zh-TW" dirty="0">
+              <a:rPr lang="en-US" altLang="zh-TW" b="1" dirty="0">
                 <a:latin typeface="微軟正黑體" panose="020B0604030504040204" pitchFamily="34" charset="-120"/>
                 <a:ea typeface="微軟正黑體" panose="020B0604030504040204" pitchFamily="34" charset="-120"/>
               </a:rPr>
             </a:br>
             <a:r>
-              <a:rPr lang="zh-TW" altLang="en-US" dirty="0">
+              <a:rPr lang="zh-TW" altLang="en-US" b="1" dirty="0">
                 <a:latin typeface="微軟正黑體" panose="020B0604030504040204" pitchFamily="34" charset="-120"/>
                 <a:ea typeface="微軟正黑體" panose="020B0604030504040204" pitchFamily="34" charset="-120"/>
               </a:rPr>
@@ -3935,23 +3935,7 @@
                 <a:ea typeface="微軟正黑體" panose="020B0604030504040204" pitchFamily="34" charset="-120"/>
                 <a:cs typeface="Times New Roman" panose="02020603050405020304" pitchFamily="18" charset="0"/>
               </a:rPr>
-              <a:t>n-</a:t>
-            </a:r>
-            <a:r>
-              <a:rPr lang="zh-TW" altLang="en-US" dirty="0">
-                <a:latin typeface="微軟正黑體" panose="020B0604030504040204" pitchFamily="34" charset="-120"/>
-                <a:ea typeface="微軟正黑體" panose="020B0604030504040204" pitchFamily="34" charset="-120"/>
-                <a:cs typeface="Times New Roman" panose="02020603050405020304" pitchFamily="18" charset="0"/>
-              </a:rPr>
-              <a:t>元語法</a:t>
-            </a:r>
-            <a:r>
-              <a:rPr lang="en-US" altLang="zh-TW" dirty="0">
-                <a:latin typeface="微軟正黑體" panose="020B0604030504040204" pitchFamily="34" charset="-120"/>
-                <a:ea typeface="微軟正黑體" panose="020B0604030504040204" pitchFamily="34" charset="-120"/>
-                <a:cs typeface="Times New Roman" panose="02020603050405020304" pitchFamily="18" charset="0"/>
-              </a:rPr>
-              <a:t>(N-gram)</a:t>
+              <a:t>N-gram</a:t>
             </a:r>
             <a:r>
               <a:rPr lang="zh-TW" altLang="en-US" dirty="0">
@@ -6527,7 +6511,7 @@
                 <a:latin typeface="微軟正黑體" panose="020B0604030504040204" pitchFamily="34" charset="-120"/>
                 <a:ea typeface="微軟正黑體" panose="020B0604030504040204" pitchFamily="34" charset="-120"/>
               </a:rPr>
-              <a:t>連線空間的表示可避免「維度災難」</a:t>
+              <a:t>連續空間的表示可避免「維度災難」</a:t>
             </a:r>
             <a:endParaRPr lang="en-US" altLang="zh-TW" dirty="0">
               <a:latin typeface="微軟正黑體" panose="020B0604030504040204" pitchFamily="34" charset="-120"/>
@@ -7247,8 +7231,8 @@
         </p:blipFill>
         <p:spPr bwMode="auto">
           <a:xfrm>
-            <a:off x="1775520" y="3875767"/>
-            <a:ext cx="8892481" cy="2361545"/>
+            <a:off x="1775520" y="3637483"/>
+            <a:ext cx="8892481" cy="2599829"/>
           </a:xfrm>
           <a:prstGeom prst="rect">
             <a:avLst/>
@@ -7624,8 +7608,8 @@
         </p:blipFill>
         <p:spPr bwMode="auto">
           <a:xfrm>
-            <a:off x="2135561" y="2348880"/>
-            <a:ext cx="8267381" cy="2736304"/>
+            <a:off x="1036226" y="1937913"/>
+            <a:ext cx="10876492" cy="3599857"/>
           </a:xfrm>
           <a:prstGeom prst="rect">
             <a:avLst/>
@@ -9237,15 +9221,7 @@
             </a:r>
             <a:r>
               <a:rPr lang="zh-TW" altLang="en-US" sz="3200" b="1" dirty="0"/>
-              <a:t>的比較中，二元語言模型就能夠更好的</a:t>
-            </a:r>
-            <a:r>
-              <a:rPr lang="en-US" altLang="zh-TW" sz="3200" b="1" dirty="0"/>
-              <a:t>get</a:t>
-            </a:r>
-            <a:r>
-              <a:rPr lang="zh-TW" altLang="en-US" sz="3200" b="1" dirty="0"/>
-              <a:t>到它們的關係</a:t>
+              <a:t>的比較中，二元語言模型就能夠更好的獲得它們的關係</a:t>
             </a:r>
             <a:endParaRPr lang="en-US" altLang="zh-TW" sz="3200" dirty="0"/>
           </a:p>
@@ -10232,7 +10208,7 @@
             </a:pPr>
             <a:r>
               <a:rPr lang="zh-TW" altLang="en-US" sz="3200" dirty="0"/>
-              <a:t>如果在訓練數據中沒有出現過的字，機率就會是</a:t>
+              <a:t>如果在訓練資料中沒有出現過的字，機率就會是</a:t>
             </a:r>
             <a:r>
               <a:rPr lang="en-US" altLang="zh-TW" sz="3200" dirty="0"/>
@@ -10982,7 +10958,7 @@
                 <a:latin typeface="微軟正黑體" panose="020B0604030504040204" pitchFamily="34" charset="-120"/>
                 <a:ea typeface="微軟正黑體" panose="020B0604030504040204" pitchFamily="34" charset="-120"/>
               </a:rPr>
-              <a:t>一段語言資料</a:t>
+              <a:t>一段語音資料</a:t>
             </a:r>
             <a:r>
               <a:rPr lang="en-US" altLang="zh-TW" dirty="0">
